--- a/week_11_presentation.pptx
+++ b/week_11_presentation.pptx
@@ -113,6 +113,11 @@
       </a:defRPr>
     </a:lvl9pPr>
   </p:defaultTextStyle>
+  <p:extLst>
+    <p:ext uri="{EFAFB233-063F-42B5-8137-9DF3F51BA10A}">
+      <p15:sldGuideLst xmlns:p15="http://schemas.microsoft.com/office/powerpoint/2012/main"/>
+    </p:ext>
+  </p:extLst>
 </p:presentation>
 </file>
 
@@ -1510,6 +1515,13 @@
         </dgm:presLayoutVars>
       </dgm:prSet>
       <dgm:spPr/>
+      <dgm:t>
+        <a:bodyPr/>
+        <a:lstStyle/>
+        <a:p>
+          <a:endParaRPr lang="tr-TR"/>
+        </a:p>
+      </dgm:t>
     </dgm:pt>
     <dgm:pt modelId="{0B0D6578-3305-4FE7-88FD-6E5EA3C11D75}" type="pres">
       <dgm:prSet presAssocID="{920D8BE0-59F0-4565-8D6C-E028024F8665}" presName="compNode" presStyleCnt="0"/>
@@ -1526,10 +1538,24 @@
         </dgm:presLayoutVars>
       </dgm:prSet>
       <dgm:spPr/>
+      <dgm:t>
+        <a:bodyPr/>
+        <a:lstStyle/>
+        <a:p>
+          <a:endParaRPr lang="tr-TR"/>
+        </a:p>
+      </dgm:t>
     </dgm:pt>
     <dgm:pt modelId="{33DAF558-9629-4D51-BC53-145F9A0BCD82}" type="pres">
       <dgm:prSet presAssocID="{C560EF95-BC08-4B5D-9BA9-A1A438D5F13E}" presName="sibTrans" presStyleLbl="bgSibTrans2D1" presStyleIdx="0" presStyleCnt="6"/>
       <dgm:spPr/>
+      <dgm:t>
+        <a:bodyPr/>
+        <a:lstStyle/>
+        <a:p>
+          <a:endParaRPr lang="tr-TR"/>
+        </a:p>
+      </dgm:t>
     </dgm:pt>
     <dgm:pt modelId="{06549A85-92C1-45F4-AEC5-2F51AD4FF077}" type="pres">
       <dgm:prSet presAssocID="{D4E6A47A-297C-45EA-A018-842EF368AFB5}" presName="compNode" presStyleCnt="0"/>
@@ -1546,10 +1572,24 @@
         </dgm:presLayoutVars>
       </dgm:prSet>
       <dgm:spPr/>
+      <dgm:t>
+        <a:bodyPr/>
+        <a:lstStyle/>
+        <a:p>
+          <a:endParaRPr lang="tr-TR"/>
+        </a:p>
+      </dgm:t>
     </dgm:pt>
     <dgm:pt modelId="{F95C61DB-5D1E-4C05-9F4B-26B90B1F9D5E}" type="pres">
       <dgm:prSet presAssocID="{863724F8-55FC-4CB8-9107-8E5B2B2A8905}" presName="sibTrans" presStyleLbl="bgSibTrans2D1" presStyleIdx="1" presStyleCnt="6"/>
       <dgm:spPr/>
+      <dgm:t>
+        <a:bodyPr/>
+        <a:lstStyle/>
+        <a:p>
+          <a:endParaRPr lang="tr-TR"/>
+        </a:p>
+      </dgm:t>
     </dgm:pt>
     <dgm:pt modelId="{3FAB7717-49C1-40EE-952A-BF4A2B7227A6}" type="pres">
       <dgm:prSet presAssocID="{412A6EB2-57A1-439D-B820-DA85B40B6B9E}" presName="compNode" presStyleCnt="0"/>
@@ -1566,10 +1606,24 @@
         </dgm:presLayoutVars>
       </dgm:prSet>
       <dgm:spPr/>
+      <dgm:t>
+        <a:bodyPr/>
+        <a:lstStyle/>
+        <a:p>
+          <a:endParaRPr lang="tr-TR"/>
+        </a:p>
+      </dgm:t>
     </dgm:pt>
     <dgm:pt modelId="{705EBF63-5E0C-4B55-8B82-61ED884E46DB}" type="pres">
       <dgm:prSet presAssocID="{2768DA6D-C925-43F9-9273-FAFA4247514C}" presName="sibTrans" presStyleLbl="bgSibTrans2D1" presStyleIdx="2" presStyleCnt="6"/>
       <dgm:spPr/>
+      <dgm:t>
+        <a:bodyPr/>
+        <a:lstStyle/>
+        <a:p>
+          <a:endParaRPr lang="tr-TR"/>
+        </a:p>
+      </dgm:t>
     </dgm:pt>
     <dgm:pt modelId="{3A77A48D-D489-4CC3-B0BA-EEC2012DCA46}" type="pres">
       <dgm:prSet presAssocID="{BD5CBB2E-25DE-4E63-9D75-6D5797EC65F5}" presName="compNode" presStyleCnt="0"/>
@@ -1586,10 +1640,24 @@
         </dgm:presLayoutVars>
       </dgm:prSet>
       <dgm:spPr/>
+      <dgm:t>
+        <a:bodyPr/>
+        <a:lstStyle/>
+        <a:p>
+          <a:endParaRPr lang="tr-TR"/>
+        </a:p>
+      </dgm:t>
     </dgm:pt>
     <dgm:pt modelId="{81A288D5-980F-4211-8878-AA493672B9B7}" type="pres">
       <dgm:prSet presAssocID="{F4D8B4CC-8E92-451C-9DBE-5BBDEC6E1742}" presName="sibTrans" presStyleLbl="bgSibTrans2D1" presStyleIdx="3" presStyleCnt="6"/>
       <dgm:spPr/>
+      <dgm:t>
+        <a:bodyPr/>
+        <a:lstStyle/>
+        <a:p>
+          <a:endParaRPr lang="tr-TR"/>
+        </a:p>
+      </dgm:t>
     </dgm:pt>
     <dgm:pt modelId="{91DC004B-EE10-42F3-993F-235335CC9A86}" type="pres">
       <dgm:prSet presAssocID="{7B24D3F2-4743-420D-95F5-61D17E76A60F}" presName="compNode" presStyleCnt="0"/>
@@ -1606,10 +1674,24 @@
         </dgm:presLayoutVars>
       </dgm:prSet>
       <dgm:spPr/>
+      <dgm:t>
+        <a:bodyPr/>
+        <a:lstStyle/>
+        <a:p>
+          <a:endParaRPr lang="tr-TR"/>
+        </a:p>
+      </dgm:t>
     </dgm:pt>
     <dgm:pt modelId="{092430E9-219A-4862-A003-4AD2B0BA8937}" type="pres">
       <dgm:prSet presAssocID="{F1FAB8B3-5945-497F-AAD9-60A51DA93A8C}" presName="sibTrans" presStyleLbl="bgSibTrans2D1" presStyleIdx="4" presStyleCnt="6"/>
       <dgm:spPr/>
+      <dgm:t>
+        <a:bodyPr/>
+        <a:lstStyle/>
+        <a:p>
+          <a:endParaRPr lang="tr-TR"/>
+        </a:p>
+      </dgm:t>
     </dgm:pt>
     <dgm:pt modelId="{76B4CBDF-6405-4ACC-9082-4DFF9BA09193}" type="pres">
       <dgm:prSet presAssocID="{0B6704F0-441F-46AB-8814-0220129E5D45}" presName="compNode" presStyleCnt="0"/>
@@ -1626,10 +1708,24 @@
         </dgm:presLayoutVars>
       </dgm:prSet>
       <dgm:spPr/>
+      <dgm:t>
+        <a:bodyPr/>
+        <a:lstStyle/>
+        <a:p>
+          <a:endParaRPr lang="tr-TR"/>
+        </a:p>
+      </dgm:t>
     </dgm:pt>
     <dgm:pt modelId="{F3B0E383-C3E8-45E2-8915-40DD6787861A}" type="pres">
       <dgm:prSet presAssocID="{3EE3CA8C-70DC-449B-80F6-15D845A6043A}" presName="sibTrans" presStyleLbl="bgSibTrans2D1" presStyleIdx="5" presStyleCnt="6"/>
       <dgm:spPr/>
+      <dgm:t>
+        <a:bodyPr/>
+        <a:lstStyle/>
+        <a:p>
+          <a:endParaRPr lang="tr-TR"/>
+        </a:p>
+      </dgm:t>
     </dgm:pt>
     <dgm:pt modelId="{8026C54C-436E-40F9-A053-13EF446A2C2A}" type="pres">
       <dgm:prSet presAssocID="{1F9C1A0D-224A-42A0-B4AA-27128B53E159}" presName="compNode" presStyleCnt="0"/>
@@ -1646,30 +1742,37 @@
         </dgm:presLayoutVars>
       </dgm:prSet>
       <dgm:spPr/>
+      <dgm:t>
+        <a:bodyPr/>
+        <a:lstStyle/>
+        <a:p>
+          <a:endParaRPr lang="tr-TR"/>
+        </a:p>
+      </dgm:t>
     </dgm:pt>
   </dgm:ptLst>
   <dgm:cxnLst>
-    <dgm:cxn modelId="{08680D02-1021-41A3-82CB-57A589598BA2}" srcId="{C2058E2E-6CB2-47E5-B953-CE2B9E6EF5EC}" destId="{D4E6A47A-297C-45EA-A018-842EF368AFB5}" srcOrd="1" destOrd="0" parTransId="{E5A53288-0994-4009-B68E-6647FB66B4AB}" sibTransId="{863724F8-55FC-4CB8-9107-8E5B2B2A8905}"/>
     <dgm:cxn modelId="{8DD5E52F-179C-4306-A8F4-C0BB786448C0}" type="presOf" srcId="{863724F8-55FC-4CB8-9107-8E5B2B2A8905}" destId="{F95C61DB-5D1E-4C05-9F4B-26B90B1F9D5E}" srcOrd="0" destOrd="0" presId="urn:microsoft.com/office/officeart/2005/8/layout/bProcess4"/>
+    <dgm:cxn modelId="{155C3A5C-1001-45C5-89B9-DC2AE3613F3D}" srcId="{C2058E2E-6CB2-47E5-B953-CE2B9E6EF5EC}" destId="{920D8BE0-59F0-4565-8D6C-E028024F8665}" srcOrd="0" destOrd="0" parTransId="{8E102796-493E-4D45-87B7-70F6B34271F0}" sibTransId="{C560EF95-BC08-4B5D-9BA9-A1A438D5F13E}"/>
+    <dgm:cxn modelId="{B4EDEDC7-65F7-4CCD-90DC-9A1A53C7F93F}" srcId="{C2058E2E-6CB2-47E5-B953-CE2B9E6EF5EC}" destId="{1F9C1A0D-224A-42A0-B4AA-27128B53E159}" srcOrd="6" destOrd="0" parTransId="{54E260A8-1F7E-46B3-A45E-FDC23BC8FE0D}" sibTransId="{A0412625-B135-47B0-B2CC-516386237568}"/>
+    <dgm:cxn modelId="{62A8335E-0D27-4537-A309-87EEFF15CFD9}" type="presOf" srcId="{BD5CBB2E-25DE-4E63-9D75-6D5797EC65F5}" destId="{4D15CDBC-E978-4E6B-A970-4970395275C2}" srcOrd="0" destOrd="0" presId="urn:microsoft.com/office/officeart/2005/8/layout/bProcess4"/>
+    <dgm:cxn modelId="{44F657AE-2126-44EA-8B59-A4A4A9215911}" type="presOf" srcId="{D4E6A47A-297C-45EA-A018-842EF368AFB5}" destId="{34B3688B-636C-461C-B7E6-F12EEF0FDC30}" srcOrd="0" destOrd="0" presId="urn:microsoft.com/office/officeart/2005/8/layout/bProcess4"/>
     <dgm:cxn modelId="{F9083337-CC5C-43FF-B281-4646B45D2ACD}" type="presOf" srcId="{C2058E2E-6CB2-47E5-B953-CE2B9E6EF5EC}" destId="{E0BD8481-AD58-4C8F-A480-300096D91084}" srcOrd="0" destOrd="0" presId="urn:microsoft.com/office/officeart/2005/8/layout/bProcess4"/>
-    <dgm:cxn modelId="{155C3A5C-1001-45C5-89B9-DC2AE3613F3D}" srcId="{C2058E2E-6CB2-47E5-B953-CE2B9E6EF5EC}" destId="{920D8BE0-59F0-4565-8D6C-E028024F8665}" srcOrd="0" destOrd="0" parTransId="{8E102796-493E-4D45-87B7-70F6B34271F0}" sibTransId="{C560EF95-BC08-4B5D-9BA9-A1A438D5F13E}"/>
-    <dgm:cxn modelId="{62A8335E-0D27-4537-A309-87EEFF15CFD9}" type="presOf" srcId="{BD5CBB2E-25DE-4E63-9D75-6D5797EC65F5}" destId="{4D15CDBC-E978-4E6B-A970-4970395275C2}" srcOrd="0" destOrd="0" presId="urn:microsoft.com/office/officeart/2005/8/layout/bProcess4"/>
-    <dgm:cxn modelId="{830ABD4D-725E-408E-A148-A7205709BF3F}" type="presOf" srcId="{1F9C1A0D-224A-42A0-B4AA-27128B53E159}" destId="{BC734D8B-2D9C-4A82-B7C9-F51847E84D24}" srcOrd="0" destOrd="0" presId="urn:microsoft.com/office/officeart/2005/8/layout/bProcess4"/>
-    <dgm:cxn modelId="{42226976-73CA-401C-8127-C6C06E6332E6}" type="presOf" srcId="{F4D8B4CC-8E92-451C-9DBE-5BBDEC6E1742}" destId="{81A288D5-980F-4211-8878-AA493672B9B7}" srcOrd="0" destOrd="0" presId="urn:microsoft.com/office/officeart/2005/8/layout/bProcess4"/>
-    <dgm:cxn modelId="{B46E9356-7742-4100-92DC-0FF260D8CB8E}" type="presOf" srcId="{412A6EB2-57A1-439D-B820-DA85B40B6B9E}" destId="{A100CFD6-03A4-46F2-B12B-97BAF06ECE53}" srcOrd="0" destOrd="0" presId="urn:microsoft.com/office/officeart/2005/8/layout/bProcess4"/>
-    <dgm:cxn modelId="{D0B42F77-D710-4E32-9CB4-48ECCF372FD3}" type="presOf" srcId="{7B24D3F2-4743-420D-95F5-61D17E76A60F}" destId="{B534DCCF-BAA6-4480-B5A4-039A980FA659}" srcOrd="0" destOrd="0" presId="urn:microsoft.com/office/officeart/2005/8/layout/bProcess4"/>
+    <dgm:cxn modelId="{8738DAE9-19A2-4EBF-A9BF-127165FB07D4}" srcId="{C2058E2E-6CB2-47E5-B953-CE2B9E6EF5EC}" destId="{7B24D3F2-4743-420D-95F5-61D17E76A60F}" srcOrd="4" destOrd="0" parTransId="{D9B9CDE3-D259-4FA6-BBC0-008E8ECB2704}" sibTransId="{F1FAB8B3-5945-497F-AAD9-60A51DA93A8C}"/>
+    <dgm:cxn modelId="{BB2CE1C5-5025-41BA-827D-E5F71ED1F740}" type="presOf" srcId="{C560EF95-BC08-4B5D-9BA9-A1A438D5F13E}" destId="{33DAF558-9629-4D51-BC53-145F9A0BCD82}" srcOrd="0" destOrd="0" presId="urn:microsoft.com/office/officeart/2005/8/layout/bProcess4"/>
     <dgm:cxn modelId="{2CFBCC77-0971-4C51-95FE-1E42D71869BC}" srcId="{C2058E2E-6CB2-47E5-B953-CE2B9E6EF5EC}" destId="{0B6704F0-441F-46AB-8814-0220129E5D45}" srcOrd="5" destOrd="0" parTransId="{15473C7C-BBA6-471C-8C14-E205E0C75AE6}" sibTransId="{3EE3CA8C-70DC-449B-80F6-15D845A6043A}"/>
-    <dgm:cxn modelId="{710F7F8C-C94C-4D61-959E-DCC1DEA8ABE9}" type="presOf" srcId="{3EE3CA8C-70DC-449B-80F6-15D845A6043A}" destId="{F3B0E383-C3E8-45E2-8915-40DD6787861A}" srcOrd="0" destOrd="0" presId="urn:microsoft.com/office/officeart/2005/8/layout/bProcess4"/>
-    <dgm:cxn modelId="{44F657AE-2126-44EA-8B59-A4A4A9215911}" type="presOf" srcId="{D4E6A47A-297C-45EA-A018-842EF368AFB5}" destId="{34B3688B-636C-461C-B7E6-F12EEF0FDC30}" srcOrd="0" destOrd="0" presId="urn:microsoft.com/office/officeart/2005/8/layout/bProcess4"/>
-    <dgm:cxn modelId="{D19812BB-AA58-4EB1-9A66-48CF9137E5AA}" type="presOf" srcId="{F1FAB8B3-5945-497F-AAD9-60A51DA93A8C}" destId="{092430E9-219A-4862-A003-4AD2B0BA8937}" srcOrd="0" destOrd="0" presId="urn:microsoft.com/office/officeart/2005/8/layout/bProcess4"/>
-    <dgm:cxn modelId="{BB2CE1C5-5025-41BA-827D-E5F71ED1F740}" type="presOf" srcId="{C560EF95-BC08-4B5D-9BA9-A1A438D5F13E}" destId="{33DAF558-9629-4D51-BC53-145F9A0BCD82}" srcOrd="0" destOrd="0" presId="urn:microsoft.com/office/officeart/2005/8/layout/bProcess4"/>
-    <dgm:cxn modelId="{B4EDEDC7-65F7-4CCD-90DC-9A1A53C7F93F}" srcId="{C2058E2E-6CB2-47E5-B953-CE2B9E6EF5EC}" destId="{1F9C1A0D-224A-42A0-B4AA-27128B53E159}" srcOrd="6" destOrd="0" parTransId="{54E260A8-1F7E-46B3-A45E-FDC23BC8FE0D}" sibTransId="{A0412625-B135-47B0-B2CC-516386237568}"/>
-    <dgm:cxn modelId="{624A94D4-C811-40DE-9648-3FAECF76909C}" type="presOf" srcId="{0B6704F0-441F-46AB-8814-0220129E5D45}" destId="{5BBE3CA1-0DAA-454C-AF93-FCE14516702E}" srcOrd="0" destOrd="0" presId="urn:microsoft.com/office/officeart/2005/8/layout/bProcess4"/>
     <dgm:cxn modelId="{522654DB-216E-47F0-A297-3D43EAB18743}" type="presOf" srcId="{2768DA6D-C925-43F9-9273-FAFA4247514C}" destId="{705EBF63-5E0C-4B55-8B82-61ED884E46DB}" srcOrd="0" destOrd="0" presId="urn:microsoft.com/office/officeart/2005/8/layout/bProcess4"/>
     <dgm:cxn modelId="{020799E4-7FF5-472F-9BBD-447D9E9D1B97}" type="presOf" srcId="{920D8BE0-59F0-4565-8D6C-E028024F8665}" destId="{DA53B345-D17F-425A-A4C5-A1660599A6CB}" srcOrd="0" destOrd="0" presId="urn:microsoft.com/office/officeart/2005/8/layout/bProcess4"/>
+    <dgm:cxn modelId="{830ABD4D-725E-408E-A148-A7205709BF3F}" type="presOf" srcId="{1F9C1A0D-224A-42A0-B4AA-27128B53E159}" destId="{BC734D8B-2D9C-4A82-B7C9-F51847E84D24}" srcOrd="0" destOrd="0" presId="urn:microsoft.com/office/officeart/2005/8/layout/bProcess4"/>
+    <dgm:cxn modelId="{08680D02-1021-41A3-82CB-57A589598BA2}" srcId="{C2058E2E-6CB2-47E5-B953-CE2B9E6EF5EC}" destId="{D4E6A47A-297C-45EA-A018-842EF368AFB5}" srcOrd="1" destOrd="0" parTransId="{E5A53288-0994-4009-B68E-6647FB66B4AB}" sibTransId="{863724F8-55FC-4CB8-9107-8E5B2B2A8905}"/>
+    <dgm:cxn modelId="{D0B42F77-D710-4E32-9CB4-48ECCF372FD3}" type="presOf" srcId="{7B24D3F2-4743-420D-95F5-61D17E76A60F}" destId="{B534DCCF-BAA6-4480-B5A4-039A980FA659}" srcOrd="0" destOrd="0" presId="urn:microsoft.com/office/officeart/2005/8/layout/bProcess4"/>
+    <dgm:cxn modelId="{BDB19BEF-9EA1-48BE-B384-17E067B8EAF3}" srcId="{C2058E2E-6CB2-47E5-B953-CE2B9E6EF5EC}" destId="{BD5CBB2E-25DE-4E63-9D75-6D5797EC65F5}" srcOrd="3" destOrd="0" parTransId="{25B8F133-D645-47D1-9ACC-1C4FC73AFE8C}" sibTransId="{F4D8B4CC-8E92-451C-9DBE-5BBDEC6E1742}"/>
+    <dgm:cxn modelId="{624A94D4-C811-40DE-9648-3FAECF76909C}" type="presOf" srcId="{0B6704F0-441F-46AB-8814-0220129E5D45}" destId="{5BBE3CA1-0DAA-454C-AF93-FCE14516702E}" srcOrd="0" destOrd="0" presId="urn:microsoft.com/office/officeart/2005/8/layout/bProcess4"/>
     <dgm:cxn modelId="{E8AC60E5-8F84-4E66-919E-B0F2780BEAE1}" srcId="{C2058E2E-6CB2-47E5-B953-CE2B9E6EF5EC}" destId="{412A6EB2-57A1-439D-B820-DA85B40B6B9E}" srcOrd="2" destOrd="0" parTransId="{CCB48AB5-9662-4576-B050-A4AF497A9B52}" sibTransId="{2768DA6D-C925-43F9-9273-FAFA4247514C}"/>
-    <dgm:cxn modelId="{8738DAE9-19A2-4EBF-A9BF-127165FB07D4}" srcId="{C2058E2E-6CB2-47E5-B953-CE2B9E6EF5EC}" destId="{7B24D3F2-4743-420D-95F5-61D17E76A60F}" srcOrd="4" destOrd="0" parTransId="{D9B9CDE3-D259-4FA6-BBC0-008E8ECB2704}" sibTransId="{F1FAB8B3-5945-497F-AAD9-60A51DA93A8C}"/>
-    <dgm:cxn modelId="{BDB19BEF-9EA1-48BE-B384-17E067B8EAF3}" srcId="{C2058E2E-6CB2-47E5-B953-CE2B9E6EF5EC}" destId="{BD5CBB2E-25DE-4E63-9D75-6D5797EC65F5}" srcOrd="3" destOrd="0" parTransId="{25B8F133-D645-47D1-9ACC-1C4FC73AFE8C}" sibTransId="{F4D8B4CC-8E92-451C-9DBE-5BBDEC6E1742}"/>
+    <dgm:cxn modelId="{710F7F8C-C94C-4D61-959E-DCC1DEA8ABE9}" type="presOf" srcId="{3EE3CA8C-70DC-449B-80F6-15D845A6043A}" destId="{F3B0E383-C3E8-45E2-8915-40DD6787861A}" srcOrd="0" destOrd="0" presId="urn:microsoft.com/office/officeart/2005/8/layout/bProcess4"/>
+    <dgm:cxn modelId="{42226976-73CA-401C-8127-C6C06E6332E6}" type="presOf" srcId="{F4D8B4CC-8E92-451C-9DBE-5BBDEC6E1742}" destId="{81A288D5-980F-4211-8878-AA493672B9B7}" srcOrd="0" destOrd="0" presId="urn:microsoft.com/office/officeart/2005/8/layout/bProcess4"/>
+    <dgm:cxn modelId="{D19812BB-AA58-4EB1-9A66-48CF9137E5AA}" type="presOf" srcId="{F1FAB8B3-5945-497F-AAD9-60A51DA93A8C}" destId="{092430E9-219A-4862-A003-4AD2B0BA8937}" srcOrd="0" destOrd="0" presId="urn:microsoft.com/office/officeart/2005/8/layout/bProcess4"/>
+    <dgm:cxn modelId="{B46E9356-7742-4100-92DC-0FF260D8CB8E}" type="presOf" srcId="{412A6EB2-57A1-439D-B820-DA85B40B6B9E}" destId="{A100CFD6-03A4-46F2-B12B-97BAF06ECE53}" srcOrd="0" destOrd="0" presId="urn:microsoft.com/office/officeart/2005/8/layout/bProcess4"/>
     <dgm:cxn modelId="{31E4B11E-CF2C-4581-9E79-51F0A769722F}" type="presParOf" srcId="{E0BD8481-AD58-4C8F-A480-300096D91084}" destId="{0B0D6578-3305-4FE7-88FD-6E5EA3C11D75}" srcOrd="0" destOrd="0" presId="urn:microsoft.com/office/officeart/2005/8/layout/bProcess4"/>
     <dgm:cxn modelId="{EB3DFA2B-5DA9-4529-A945-63296C1BE833}" type="presParOf" srcId="{0B0D6578-3305-4FE7-88FD-6E5EA3C11D75}" destId="{06D6EBE5-C6D6-4196-B16B-941685A85F87}" srcOrd="0" destOrd="0" presId="urn:microsoft.com/office/officeart/2005/8/layout/bProcess4"/>
     <dgm:cxn modelId="{AF0118E2-0179-4583-8D79-2D36FD596D76}" type="presParOf" srcId="{0B0D6578-3305-4FE7-88FD-6E5EA3C11D75}" destId="{DA53B345-D17F-425A-A4C5-A1660599A6CB}" srcOrd="1" destOrd="0" presId="urn:microsoft.com/office/officeart/2005/8/layout/bProcess4"/>
@@ -1816,7 +1919,7 @@
         </a:bodyPr>
         <a:lstStyle/>
         <a:p>
-          <a:pPr marL="0" lvl="0" indent="0" algn="l" defTabSz="711200">
+          <a:pPr lvl="0" algn="l" defTabSz="711200">
             <a:lnSpc>
               <a:spcPct val="90000"/>
             </a:lnSpc>
@@ -1826,7 +1929,6 @@
             <a:spcAft>
               <a:spcPct val="35000"/>
             </a:spcAft>
-            <a:buNone/>
           </a:pPr>
           <a:r>
             <a:rPr lang="it-IT" sz="1600" kern="1200" dirty="0"/>
@@ -1988,7 +2090,7 @@
         </a:bodyPr>
         <a:lstStyle/>
         <a:p>
-          <a:pPr marL="0" lvl="0" indent="0" algn="l" defTabSz="800100">
+          <a:pPr lvl="0" algn="l" defTabSz="800100">
             <a:lnSpc>
               <a:spcPct val="90000"/>
             </a:lnSpc>
@@ -1998,7 +2100,6 @@
             <a:spcAft>
               <a:spcPct val="35000"/>
             </a:spcAft>
-            <a:buNone/>
           </a:pPr>
           <a:r>
             <a:rPr lang="it-IT" sz="1800" kern="1200" dirty="0"/>
@@ -2136,7 +2237,7 @@
         </a:bodyPr>
         <a:lstStyle/>
         <a:p>
-          <a:pPr marL="0" lvl="0" indent="0" algn="l" defTabSz="711200">
+          <a:pPr lvl="0" algn="l" defTabSz="711200">
             <a:lnSpc>
               <a:spcPct val="90000"/>
             </a:lnSpc>
@@ -2146,7 +2247,6 @@
             <a:spcAft>
               <a:spcPct val="35000"/>
             </a:spcAft>
-            <a:buNone/>
           </a:pPr>
           <a:r>
             <a:rPr lang="it-IT" sz="1600" kern="1200" dirty="0"/>
@@ -2316,7 +2416,7 @@
         </a:bodyPr>
         <a:lstStyle/>
         <a:p>
-          <a:pPr marL="0" lvl="0" indent="0" algn="l" defTabSz="711200">
+          <a:pPr lvl="0" algn="l" defTabSz="711200">
             <a:lnSpc>
               <a:spcPct val="90000"/>
             </a:lnSpc>
@@ -2326,7 +2426,6 @@
             <a:spcAft>
               <a:spcPct val="35000"/>
             </a:spcAft>
-            <a:buNone/>
           </a:pPr>
           <a:r>
             <a:rPr lang="it-IT" sz="1600" kern="1200" dirty="0"/>
@@ -2476,7 +2575,7 @@
         </a:bodyPr>
         <a:lstStyle/>
         <a:p>
-          <a:pPr marL="0" lvl="0" indent="0" algn="l" defTabSz="533400">
+          <a:pPr lvl="0" algn="l" defTabSz="533400">
             <a:lnSpc>
               <a:spcPct val="90000"/>
             </a:lnSpc>
@@ -2486,7 +2585,6 @@
             <a:spcAft>
               <a:spcPct val="35000"/>
             </a:spcAft>
-            <a:buNone/>
           </a:pPr>
           <a:r>
             <a:rPr lang="it-IT" sz="1200" kern="1200" dirty="0"/>
@@ -2668,7 +2766,7 @@
         </a:bodyPr>
         <a:lstStyle/>
         <a:p>
-          <a:pPr marL="0" lvl="0" indent="0" algn="l" defTabSz="533400">
+          <a:pPr lvl="0" algn="l" defTabSz="533400">
             <a:lnSpc>
               <a:spcPct val="90000"/>
             </a:lnSpc>
@@ -2678,7 +2776,6 @@
             <a:spcAft>
               <a:spcPct val="35000"/>
             </a:spcAft>
-            <a:buNone/>
           </a:pPr>
           <a:r>
             <a:rPr lang="it-IT" sz="1200" kern="1200" dirty="0"/>
@@ -2810,7 +2907,7 @@
         </a:bodyPr>
         <a:lstStyle/>
         <a:p>
-          <a:pPr marL="0" lvl="0" indent="0" algn="l" defTabSz="1422400">
+          <a:pPr lvl="0" algn="l" defTabSz="1422400">
             <a:lnSpc>
               <a:spcPct val="90000"/>
             </a:lnSpc>
@@ -2820,7 +2917,6 @@
             <a:spcAft>
               <a:spcPct val="35000"/>
             </a:spcAft>
-            <a:buNone/>
           </a:pPr>
           <a:r>
             <a:rPr lang="it-IT" sz="3200" kern="1200" dirty="0"/>
@@ -4253,7 +4349,7 @@
           <a:p>
             <a:fld id="{7DDA13D1-8D40-4113-B534-5425C6DD22D5}" type="datetimeFigureOut">
               <a:rPr lang="en-US" smtClean="0"/>
-              <a:t>3/18/2021</a:t>
+              <a:t>3/19/2021</a:t>
             </a:fld>
             <a:endParaRPr lang="en-US"/>
           </a:p>
@@ -4307,7 +4403,7 @@
           <a:p>
             <a:fld id="{2BA39F08-EA11-4B47-83A7-2E5F8F370B8C}" type="slidenum">
               <a:rPr lang="en-US" smtClean="0"/>
-              <a:t>‹N›</a:t>
+              <a:t>‹#›</a:t>
             </a:fld>
             <a:endParaRPr lang="en-US"/>
           </a:p>
@@ -4453,7 +4549,7 @@
           <a:p>
             <a:fld id="{7DDA13D1-8D40-4113-B534-5425C6DD22D5}" type="datetimeFigureOut">
               <a:rPr lang="en-US" smtClean="0"/>
-              <a:t>3/18/2021</a:t>
+              <a:t>3/19/2021</a:t>
             </a:fld>
             <a:endParaRPr lang="en-US"/>
           </a:p>
@@ -4507,7 +4603,7 @@
           <a:p>
             <a:fld id="{2BA39F08-EA11-4B47-83A7-2E5F8F370B8C}" type="slidenum">
               <a:rPr lang="en-US" smtClean="0"/>
-              <a:t>‹N›</a:t>
+              <a:t>‹#›</a:t>
             </a:fld>
             <a:endParaRPr lang="en-US"/>
           </a:p>
@@ -4663,7 +4759,7 @@
           <a:p>
             <a:fld id="{7DDA13D1-8D40-4113-B534-5425C6DD22D5}" type="datetimeFigureOut">
               <a:rPr lang="en-US" smtClean="0"/>
-              <a:t>3/18/2021</a:t>
+              <a:t>3/19/2021</a:t>
             </a:fld>
             <a:endParaRPr lang="en-US"/>
           </a:p>
@@ -4717,7 +4813,7 @@
           <a:p>
             <a:fld id="{2BA39F08-EA11-4B47-83A7-2E5F8F370B8C}" type="slidenum">
               <a:rPr lang="en-US" smtClean="0"/>
-              <a:t>‹N›</a:t>
+              <a:t>‹#›</a:t>
             </a:fld>
             <a:endParaRPr lang="en-US"/>
           </a:p>
@@ -4863,7 +4959,7 @@
           <a:p>
             <a:fld id="{7DDA13D1-8D40-4113-B534-5425C6DD22D5}" type="datetimeFigureOut">
               <a:rPr lang="en-US" smtClean="0"/>
-              <a:t>3/18/2021</a:t>
+              <a:t>3/19/2021</a:t>
             </a:fld>
             <a:endParaRPr lang="en-US"/>
           </a:p>
@@ -4917,7 +5013,7 @@
           <a:p>
             <a:fld id="{2BA39F08-EA11-4B47-83A7-2E5F8F370B8C}" type="slidenum">
               <a:rPr lang="en-US" smtClean="0"/>
-              <a:t>‹N›</a:t>
+              <a:t>‹#›</a:t>
             </a:fld>
             <a:endParaRPr lang="en-US"/>
           </a:p>
@@ -5139,7 +5235,7 @@
           <a:p>
             <a:fld id="{7DDA13D1-8D40-4113-B534-5425C6DD22D5}" type="datetimeFigureOut">
               <a:rPr lang="en-US" smtClean="0"/>
-              <a:t>3/18/2021</a:t>
+              <a:t>3/19/2021</a:t>
             </a:fld>
             <a:endParaRPr lang="en-US"/>
           </a:p>
@@ -5193,7 +5289,7 @@
           <a:p>
             <a:fld id="{2BA39F08-EA11-4B47-83A7-2E5F8F370B8C}" type="slidenum">
               <a:rPr lang="en-US" smtClean="0"/>
-              <a:t>‹N›</a:t>
+              <a:t>‹#›</a:t>
             </a:fld>
             <a:endParaRPr lang="en-US"/>
           </a:p>
@@ -5407,7 +5503,7 @@
           <a:p>
             <a:fld id="{7DDA13D1-8D40-4113-B534-5425C6DD22D5}" type="datetimeFigureOut">
               <a:rPr lang="en-US" smtClean="0"/>
-              <a:t>3/18/2021</a:t>
+              <a:t>3/19/2021</a:t>
             </a:fld>
             <a:endParaRPr lang="en-US"/>
           </a:p>
@@ -5461,7 +5557,7 @@
           <a:p>
             <a:fld id="{2BA39F08-EA11-4B47-83A7-2E5F8F370B8C}" type="slidenum">
               <a:rPr lang="en-US" smtClean="0"/>
-              <a:t>‹N›</a:t>
+              <a:t>‹#›</a:t>
             </a:fld>
             <a:endParaRPr lang="en-US"/>
           </a:p>
@@ -5822,7 +5918,7 @@
           <a:p>
             <a:fld id="{7DDA13D1-8D40-4113-B534-5425C6DD22D5}" type="datetimeFigureOut">
               <a:rPr lang="en-US" smtClean="0"/>
-              <a:t>3/18/2021</a:t>
+              <a:t>3/19/2021</a:t>
             </a:fld>
             <a:endParaRPr lang="en-US"/>
           </a:p>
@@ -5876,7 +5972,7 @@
           <a:p>
             <a:fld id="{2BA39F08-EA11-4B47-83A7-2E5F8F370B8C}" type="slidenum">
               <a:rPr lang="en-US" smtClean="0"/>
-              <a:t>‹N›</a:t>
+              <a:t>‹#›</a:t>
             </a:fld>
             <a:endParaRPr lang="en-US"/>
           </a:p>
@@ -5964,7 +6060,7 @@
           <a:p>
             <a:fld id="{7DDA13D1-8D40-4113-B534-5425C6DD22D5}" type="datetimeFigureOut">
               <a:rPr lang="en-US" smtClean="0"/>
-              <a:t>3/18/2021</a:t>
+              <a:t>3/19/2021</a:t>
             </a:fld>
             <a:endParaRPr lang="en-US"/>
           </a:p>
@@ -6018,7 +6114,7 @@
           <a:p>
             <a:fld id="{2BA39F08-EA11-4B47-83A7-2E5F8F370B8C}" type="slidenum">
               <a:rPr lang="en-US" smtClean="0"/>
-              <a:t>‹N›</a:t>
+              <a:t>‹#›</a:t>
             </a:fld>
             <a:endParaRPr lang="en-US"/>
           </a:p>
@@ -6077,7 +6173,7 @@
           <a:p>
             <a:fld id="{7DDA13D1-8D40-4113-B534-5425C6DD22D5}" type="datetimeFigureOut">
               <a:rPr lang="en-US" smtClean="0"/>
-              <a:t>3/18/2021</a:t>
+              <a:t>3/19/2021</a:t>
             </a:fld>
             <a:endParaRPr lang="en-US"/>
           </a:p>
@@ -6131,7 +6227,7 @@
           <a:p>
             <a:fld id="{2BA39F08-EA11-4B47-83A7-2E5F8F370B8C}" type="slidenum">
               <a:rPr lang="en-US" smtClean="0"/>
-              <a:t>‹N›</a:t>
+              <a:t>‹#›</a:t>
             </a:fld>
             <a:endParaRPr lang="en-US"/>
           </a:p>
@@ -6390,7 +6486,7 @@
           <a:p>
             <a:fld id="{7DDA13D1-8D40-4113-B534-5425C6DD22D5}" type="datetimeFigureOut">
               <a:rPr lang="en-US" smtClean="0"/>
-              <a:t>3/18/2021</a:t>
+              <a:t>3/19/2021</a:t>
             </a:fld>
             <a:endParaRPr lang="en-US"/>
           </a:p>
@@ -6444,7 +6540,7 @@
           <a:p>
             <a:fld id="{2BA39F08-EA11-4B47-83A7-2E5F8F370B8C}" type="slidenum">
               <a:rPr lang="en-US" smtClean="0"/>
-              <a:t>‹N›</a:t>
+              <a:t>‹#›</a:t>
             </a:fld>
             <a:endParaRPr lang="en-US"/>
           </a:p>
@@ -6679,7 +6775,7 @@
           <a:p>
             <a:fld id="{7DDA13D1-8D40-4113-B534-5425C6DD22D5}" type="datetimeFigureOut">
               <a:rPr lang="en-US" smtClean="0"/>
-              <a:t>3/18/2021</a:t>
+              <a:t>3/19/2021</a:t>
             </a:fld>
             <a:endParaRPr lang="en-US"/>
           </a:p>
@@ -6733,7 +6829,7 @@
           <a:p>
             <a:fld id="{2BA39F08-EA11-4B47-83A7-2E5F8F370B8C}" type="slidenum">
               <a:rPr lang="en-US" smtClean="0"/>
-              <a:t>‹N›</a:t>
+              <a:t>‹#›</a:t>
             </a:fld>
             <a:endParaRPr lang="en-US"/>
           </a:p>
@@ -6922,7 +7018,7 @@
           <a:p>
             <a:fld id="{7DDA13D1-8D40-4113-B534-5425C6DD22D5}" type="datetimeFigureOut">
               <a:rPr lang="en-US" smtClean="0"/>
-              <a:t>3/18/2021</a:t>
+              <a:t>3/19/2021</a:t>
             </a:fld>
             <a:endParaRPr lang="en-US"/>
           </a:p>
@@ -7012,7 +7108,7 @@
           <a:p>
             <a:fld id="{2BA39F08-EA11-4B47-83A7-2E5F8F370B8C}" type="slidenum">
               <a:rPr lang="en-US" smtClean="0"/>
-              <a:t>‹N›</a:t>
+              <a:t>‹#›</a:t>
             </a:fld>
             <a:endParaRPr lang="en-US"/>
           </a:p>
@@ -7341,6 +7437,95 @@
       </p:grpSpPr>
       <p:sp>
         <p:nvSpPr>
+          <p:cNvPr id="5" name="Dikdörtgen 4"/>
+          <p:cNvSpPr/>
+          <p:nvPr/>
+        </p:nvSpPr>
+        <p:spPr>
+          <a:xfrm>
+            <a:off x="0" y="3186113"/>
+            <a:ext cx="12192000" cy="385762"/>
+          </a:xfrm>
+          <a:prstGeom prst="rect">
+            <a:avLst/>
+          </a:prstGeom>
+          <a:solidFill>
+            <a:srgbClr val="002C77"/>
+          </a:solidFill>
+        </p:spPr>
+        <p:style>
+          <a:lnRef idx="2">
+            <a:schemeClr val="accent1">
+              <a:shade val="50000"/>
+            </a:schemeClr>
+          </a:lnRef>
+          <a:fillRef idx="1">
+            <a:schemeClr val="accent1"/>
+          </a:fillRef>
+          <a:effectRef idx="0">
+            <a:schemeClr val="accent1"/>
+          </a:effectRef>
+          <a:fontRef idx="minor">
+            <a:schemeClr val="lt1"/>
+          </a:fontRef>
+        </p:style>
+        <p:txBody>
+          <a:bodyPr rtlCol="0" anchor="ctr"/>
+          <a:lstStyle/>
+          <a:p>
+            <a:pPr algn="ctr"/>
+            <a:endParaRPr lang="tr-TR"/>
+          </a:p>
+        </p:txBody>
+      </p:sp>
+      <p:sp>
+        <p:nvSpPr>
+          <p:cNvPr id="4" name="Dikdörtgen 3"/>
+          <p:cNvSpPr/>
+          <p:nvPr/>
+        </p:nvSpPr>
+        <p:spPr>
+          <a:xfrm>
+            <a:off x="0" y="2293939"/>
+            <a:ext cx="12192000" cy="892174"/>
+          </a:xfrm>
+          <a:prstGeom prst="rect">
+            <a:avLst/>
+          </a:prstGeom>
+          <a:solidFill>
+            <a:srgbClr val="005BBB"/>
+          </a:solidFill>
+          <a:ln>
+            <a:noFill/>
+          </a:ln>
+        </p:spPr>
+        <p:style>
+          <a:lnRef idx="2">
+            <a:schemeClr val="accent1">
+              <a:shade val="50000"/>
+            </a:schemeClr>
+          </a:lnRef>
+          <a:fillRef idx="1">
+            <a:schemeClr val="accent1"/>
+          </a:fillRef>
+          <a:effectRef idx="0">
+            <a:schemeClr val="accent1"/>
+          </a:effectRef>
+          <a:fontRef idx="minor">
+            <a:schemeClr val="lt1"/>
+          </a:fontRef>
+        </p:style>
+        <p:txBody>
+          <a:bodyPr rtlCol="0" anchor="ctr"/>
+          <a:lstStyle/>
+          <a:p>
+            <a:pPr algn="ctr"/>
+            <a:endParaRPr lang="tr-TR"/>
+          </a:p>
+        </p:txBody>
+      </p:sp>
+      <p:sp>
+        <p:nvSpPr>
           <p:cNvPr id="2" name="Titolo 1">
             <a:extLst>
               <a:ext uri="{FF2B5EF4-FFF2-40B4-BE49-F238E27FC236}">
@@ -7355,20 +7540,54 @@
             <p:ph type="ctrTitle"/>
           </p:nvPr>
         </p:nvSpPr>
-        <p:spPr/>
+        <p:spPr>
+          <a:xfrm>
+            <a:off x="2145254" y="2289177"/>
+            <a:ext cx="9144000" cy="892174"/>
+          </a:xfrm>
+        </p:spPr>
         <p:txBody>
-          <a:bodyPr/>
+          <a:bodyPr>
+            <a:normAutofit fontScale="90000"/>
+          </a:bodyPr>
           <a:lstStyle/>
           <a:p>
             <a:r>
-              <a:rPr lang="it-IT" dirty="0"/>
+              <a:rPr lang="it-IT" dirty="0">
+                <a:ln>
+                  <a:solidFill>
+                    <a:schemeClr val="bg1"/>
+                  </a:solidFill>
+                </a:ln>
+                <a:solidFill>
+                  <a:schemeClr val="bg1"/>
+                </a:solidFill>
+              </a:rPr>
               <a:t>End of week 11 </a:t>
             </a:r>
             <a:r>
-              <a:rPr lang="it-IT" dirty="0" err="1"/>
+              <a:rPr lang="it-IT" dirty="0" err="1">
+                <a:ln>
+                  <a:solidFill>
+                    <a:schemeClr val="bg1"/>
+                  </a:solidFill>
+                </a:ln>
+                <a:solidFill>
+                  <a:schemeClr val="bg1"/>
+                </a:solidFill>
+              </a:rPr>
               <a:t>presentation</a:t>
             </a:r>
-            <a:endParaRPr lang="en-US" dirty="0"/>
+            <a:endParaRPr lang="en-US" dirty="0">
+              <a:ln>
+                <a:solidFill>
+                  <a:schemeClr val="bg1"/>
+                </a:solidFill>
+              </a:ln>
+              <a:solidFill>
+                <a:schemeClr val="bg1"/>
+              </a:solidFill>
+            </a:endParaRPr>
           </a:p>
         </p:txBody>
       </p:sp>
@@ -7388,27 +7607,80 @@
             <p:ph type="subTitle" idx="1"/>
           </p:nvPr>
         </p:nvSpPr>
-        <p:spPr/>
+        <p:spPr>
+          <a:xfrm>
+            <a:off x="1524000" y="3186113"/>
+            <a:ext cx="9144000" cy="385762"/>
+          </a:xfrm>
+        </p:spPr>
         <p:txBody>
-          <a:bodyPr/>
+          <a:bodyPr>
+            <a:normAutofit lnSpcReduction="10000"/>
+          </a:bodyPr>
           <a:lstStyle/>
           <a:p>
             <a:r>
-              <a:rPr lang="it-IT" dirty="0"/>
+              <a:rPr lang="it-IT" dirty="0">
+                <a:solidFill>
+                  <a:schemeClr val="bg1"/>
+                </a:solidFill>
+              </a:rPr>
               <a:t>Training + </a:t>
             </a:r>
             <a:r>
-              <a:rPr lang="it-IT" dirty="0" err="1"/>
+              <a:rPr lang="it-IT" dirty="0" err="1">
+                <a:solidFill>
+                  <a:schemeClr val="bg1"/>
+                </a:solidFill>
+              </a:rPr>
               <a:t>detection</a:t>
             </a:r>
             <a:r>
-              <a:rPr lang="it-IT" dirty="0"/>
+              <a:rPr lang="it-IT" dirty="0">
+                <a:solidFill>
+                  <a:schemeClr val="bg1"/>
+                </a:solidFill>
+              </a:rPr>
               <a:t> E2E process</a:t>
             </a:r>
-            <a:endParaRPr lang="en-US" dirty="0"/>
+            <a:endParaRPr lang="en-US" dirty="0">
+              <a:solidFill>
+                <a:schemeClr val="bg1"/>
+              </a:solidFill>
+            </a:endParaRPr>
           </a:p>
         </p:txBody>
       </p:sp>
+      <p:pic>
+        <p:nvPicPr>
+          <p:cNvPr id="9" name="Resim 8"/>
+          <p:cNvPicPr>
+            <a:picLocks noChangeAspect="1"/>
+          </p:cNvPicPr>
+          <p:nvPr/>
+        </p:nvPicPr>
+        <p:blipFill>
+          <a:blip r:embed="rId2" cstate="hqprint">
+            <a:extLst>
+              <a:ext uri="{28A0092B-C50C-407E-A947-70E740481C1C}">
+                <a14:useLocalDpi xmlns:a14="http://schemas.microsoft.com/office/drawing/2010/main" val="0"/>
+              </a:ext>
+            </a:extLst>
+          </a:blip>
+          <a:stretch>
+            <a:fillRect/>
+          </a:stretch>
+        </p:blipFill>
+        <p:spPr>
+          <a:xfrm>
+            <a:off x="621254" y="1882228"/>
+            <a:ext cx="1997242" cy="2013497"/>
+          </a:xfrm>
+          <a:prstGeom prst="rect">
+            <a:avLst/>
+          </a:prstGeom>
+        </p:spPr>
+      </p:pic>
     </p:spTree>
     <p:extLst>
       <p:ext uri="{BB962C8B-B14F-4D97-AF65-F5344CB8AC3E}">
@@ -7419,6 +7691,13 @@
   <p:clrMapOvr>
     <a:masterClrMapping/>
   </p:clrMapOvr>
+  <p:timing>
+    <p:tnLst>
+      <p:par>
+        <p:cTn id="1" dur="indefinite" restart="never" nodeType="tmRoot"/>
+      </p:par>
+    </p:tnLst>
+  </p:timing>
 </p:sld>
 </file>
 
@@ -7441,59 +7720,6 @@
       </p:grpSpPr>
       <p:sp>
         <p:nvSpPr>
-          <p:cNvPr id="2" name="Titolo 1">
-            <a:extLst>
-              <a:ext uri="{FF2B5EF4-FFF2-40B4-BE49-F238E27FC236}">
-                <a16:creationId xmlns:a16="http://schemas.microsoft.com/office/drawing/2014/main" id="{2D2792E1-B01E-43D3-87CD-478DDF24A8C5}"/>
-              </a:ext>
-            </a:extLst>
-          </p:cNvPr>
-          <p:cNvSpPr>
-            <a:spLocks noGrp="1"/>
-          </p:cNvSpPr>
-          <p:nvPr>
-            <p:ph type="title"/>
-          </p:nvPr>
-        </p:nvSpPr>
-        <p:spPr/>
-        <p:txBody>
-          <a:bodyPr/>
-          <a:lstStyle/>
-          <a:p>
-            <a:r>
-              <a:rPr lang="it-IT" dirty="0" err="1"/>
-              <a:t>Difference</a:t>
-            </a:r>
-            <a:r>
-              <a:rPr lang="it-IT" dirty="0"/>
-              <a:t> of processing time with VM </a:t>
-            </a:r>
-            <a:r>
-              <a:rPr lang="it-IT" dirty="0" err="1"/>
-              <a:t>that</a:t>
-            </a:r>
-            <a:r>
-              <a:rPr lang="it-IT" dirty="0"/>
-              <a:t> </a:t>
-            </a:r>
-            <a:r>
-              <a:rPr lang="it-IT" dirty="0" err="1"/>
-              <a:t>has</a:t>
-            </a:r>
-            <a:r>
-              <a:rPr lang="it-IT" dirty="0"/>
-              <a:t> GPU </a:t>
-            </a:r>
-            <a:r>
-              <a:rPr lang="it-IT" dirty="0" err="1"/>
-              <a:t>enabled</a:t>
-            </a:r>
-            <a:endParaRPr lang="en-US" dirty="0"/>
-          </a:p>
-        </p:txBody>
-      </p:sp>
-      <p:sp>
-        <p:nvSpPr>
           <p:cNvPr id="3" name="Segnaposto contenuto 2">
             <a:extLst>
               <a:ext uri="{FF2B5EF4-FFF2-40B4-BE49-F238E27FC236}">
@@ -7517,6 +7743,121 @@
           </a:p>
         </p:txBody>
       </p:sp>
+      <p:sp>
+        <p:nvSpPr>
+          <p:cNvPr id="7" name="Dikdörtgen 6"/>
+          <p:cNvSpPr/>
+          <p:nvPr/>
+        </p:nvSpPr>
+        <p:spPr>
+          <a:xfrm>
+            <a:off x="0" y="519870"/>
+            <a:ext cx="12192000" cy="527797"/>
+          </a:xfrm>
+          <a:prstGeom prst="rect">
+            <a:avLst/>
+          </a:prstGeom>
+          <a:solidFill>
+            <a:srgbClr val="005BBB"/>
+          </a:solidFill>
+          <a:ln>
+            <a:noFill/>
+          </a:ln>
+        </p:spPr>
+        <p:style>
+          <a:lnRef idx="2">
+            <a:schemeClr val="accent1">
+              <a:shade val="50000"/>
+            </a:schemeClr>
+          </a:lnRef>
+          <a:fillRef idx="1">
+            <a:schemeClr val="accent1"/>
+          </a:fillRef>
+          <a:effectRef idx="0">
+            <a:schemeClr val="accent1"/>
+          </a:effectRef>
+          <a:fontRef idx="minor">
+            <a:schemeClr val="lt1"/>
+          </a:fontRef>
+        </p:style>
+        <p:txBody>
+          <a:bodyPr rtlCol="0" anchor="ctr"/>
+          <a:lstStyle/>
+          <a:p>
+            <a:pPr algn="ctr"/>
+            <a:endParaRPr lang="tr-TR"/>
+          </a:p>
+        </p:txBody>
+      </p:sp>
+      <p:sp>
+        <p:nvSpPr>
+          <p:cNvPr id="8" name="Titolo 1">
+            <a:extLst>
+              <a:ext uri="{FF2B5EF4-FFF2-40B4-BE49-F238E27FC236}">
+                <a16:creationId xmlns:a16="http://schemas.microsoft.com/office/drawing/2014/main" id="{502288F2-0DA7-44D2-A55C-B47D5643BF56}"/>
+              </a:ext>
+            </a:extLst>
+          </p:cNvPr>
+          <p:cNvSpPr>
+            <a:spLocks noGrp="1"/>
+          </p:cNvSpPr>
+          <p:nvPr>
+            <p:ph type="title"/>
+          </p:nvPr>
+        </p:nvSpPr>
+        <p:spPr>
+          <a:xfrm>
+            <a:off x="2135877" y="519869"/>
+            <a:ext cx="10056123" cy="527797"/>
+          </a:xfrm>
+        </p:spPr>
+        <p:txBody>
+          <a:bodyPr>
+            <a:normAutofit fontScale="90000"/>
+          </a:bodyPr>
+          <a:lstStyle/>
+          <a:p>
+            <a:r>
+              <a:rPr lang="en-US" dirty="0">
+                <a:solidFill>
+                  <a:schemeClr val="bg1"/>
+                </a:solidFill>
+              </a:rPr>
+              <a:t>Difference of processing time :GPU enabled</a:t>
+            </a:r>
+          </a:p>
+        </p:txBody>
+      </p:sp>
+      <p:pic>
+        <p:nvPicPr>
+          <p:cNvPr id="9" name="Resim 8"/>
+          <p:cNvPicPr>
+            <a:picLocks noChangeAspect="1"/>
+          </p:cNvPicPr>
+          <p:nvPr/>
+        </p:nvPicPr>
+        <p:blipFill>
+          <a:blip r:embed="rId2" cstate="hqprint">
+            <a:extLst>
+              <a:ext uri="{28A0092B-C50C-407E-A947-70E740481C1C}">
+                <a14:useLocalDpi xmlns:a14="http://schemas.microsoft.com/office/drawing/2010/main" val="0"/>
+              </a:ext>
+            </a:extLst>
+          </a:blip>
+          <a:stretch>
+            <a:fillRect/>
+          </a:stretch>
+        </p:blipFill>
+        <p:spPr>
+          <a:xfrm>
+            <a:off x="396580" y="183879"/>
+            <a:ext cx="1342718" cy="1353645"/>
+          </a:xfrm>
+          <a:prstGeom prst="rect">
+            <a:avLst/>
+          </a:prstGeom>
+        </p:spPr>
+      </p:pic>
     </p:spTree>
     <p:extLst>
       <p:ext uri="{BB962C8B-B14F-4D97-AF65-F5344CB8AC3E}">
@@ -7527,6 +7868,13 @@
   <p:clrMapOvr>
     <a:masterClrMapping/>
   </p:clrMapOvr>
+  <p:timing>
+    <p:tnLst>
+      <p:par>
+        <p:cTn id="1" dur="indefinite" restart="never" nodeType="tmRoot"/>
+      </p:par>
+    </p:tnLst>
+  </p:timing>
 </p:sld>
 </file>
 
@@ -7549,6 +7897,52 @@
       </p:grpSpPr>
       <p:sp>
         <p:nvSpPr>
+          <p:cNvPr id="15" name="Dikdörtgen 14"/>
+          <p:cNvSpPr/>
+          <p:nvPr/>
+        </p:nvSpPr>
+        <p:spPr>
+          <a:xfrm>
+            <a:off x="0" y="519870"/>
+            <a:ext cx="12192000" cy="527797"/>
+          </a:xfrm>
+          <a:prstGeom prst="rect">
+            <a:avLst/>
+          </a:prstGeom>
+          <a:solidFill>
+            <a:srgbClr val="005BBB"/>
+          </a:solidFill>
+          <a:ln>
+            <a:noFill/>
+          </a:ln>
+        </p:spPr>
+        <p:style>
+          <a:lnRef idx="2">
+            <a:schemeClr val="accent1">
+              <a:shade val="50000"/>
+            </a:schemeClr>
+          </a:lnRef>
+          <a:fillRef idx="1">
+            <a:schemeClr val="accent1"/>
+          </a:fillRef>
+          <a:effectRef idx="0">
+            <a:schemeClr val="accent1"/>
+          </a:effectRef>
+          <a:fontRef idx="minor">
+            <a:schemeClr val="lt1"/>
+          </a:fontRef>
+        </p:style>
+        <p:txBody>
+          <a:bodyPr rtlCol="0" anchor="ctr"/>
+          <a:lstStyle/>
+          <a:p>
+            <a:pPr algn="ctr"/>
+            <a:endParaRPr lang="tr-TR"/>
+          </a:p>
+        </p:txBody>
+      </p:sp>
+      <p:sp>
+        <p:nvSpPr>
           <p:cNvPr id="2" name="Titolo 1">
             <a:extLst>
               <a:ext uri="{FF2B5EF4-FFF2-40B4-BE49-F238E27FC236}">
@@ -7565,19 +7959,29 @@
         </p:nvSpPr>
         <p:spPr>
           <a:xfrm>
-            <a:off x="626373" y="157633"/>
-            <a:ext cx="10515600" cy="1325563"/>
+            <a:off x="2135877" y="519869"/>
+            <a:ext cx="10056123" cy="527797"/>
           </a:xfrm>
         </p:spPr>
         <p:txBody>
-          <a:bodyPr/>
+          <a:bodyPr>
+            <a:normAutofit fontScale="90000"/>
+          </a:bodyPr>
           <a:lstStyle/>
           <a:p>
             <a:r>
-              <a:rPr lang="it-IT" dirty="0"/>
+              <a:rPr lang="it-IT" dirty="0">
+                <a:solidFill>
+                  <a:schemeClr val="bg1"/>
+                </a:solidFill>
+              </a:rPr>
               <a:t>General idea of the tool</a:t>
             </a:r>
-            <a:endParaRPr lang="en-US" dirty="0"/>
+            <a:endParaRPr lang="en-US" dirty="0">
+              <a:solidFill>
+                <a:schemeClr val="bg1"/>
+              </a:solidFill>
+            </a:endParaRPr>
           </a:p>
         </p:txBody>
       </p:sp>
@@ -7609,7 +8013,7 @@
         </p:blipFill>
         <p:spPr>
           <a:xfrm>
-            <a:off x="1050027" y="1272210"/>
+            <a:off x="1701203" y="1537524"/>
             <a:ext cx="1344539" cy="1999860"/>
           </a:xfrm>
           <a:prstGeom prst="rect">
@@ -8120,6 +8524,36 @@
           </a:p>
         </p:txBody>
       </p:sp>
+      <p:pic>
+        <p:nvPicPr>
+          <p:cNvPr id="17" name="Resim 16"/>
+          <p:cNvPicPr>
+            <a:picLocks noChangeAspect="1"/>
+          </p:cNvPicPr>
+          <p:nvPr/>
+        </p:nvPicPr>
+        <p:blipFill>
+          <a:blip r:embed="rId3" cstate="hqprint">
+            <a:extLst>
+              <a:ext uri="{28A0092B-C50C-407E-A947-70E740481C1C}">
+                <a14:useLocalDpi xmlns:a14="http://schemas.microsoft.com/office/drawing/2010/main" val="0"/>
+              </a:ext>
+            </a:extLst>
+          </a:blip>
+          <a:stretch>
+            <a:fillRect/>
+          </a:stretch>
+        </p:blipFill>
+        <p:spPr>
+          <a:xfrm>
+            <a:off x="396580" y="183879"/>
+            <a:ext cx="1342718" cy="1353645"/>
+          </a:xfrm>
+          <a:prstGeom prst="rect">
+            <a:avLst/>
+          </a:prstGeom>
+        </p:spPr>
+      </p:pic>
     </p:spTree>
     <p:extLst>
       <p:ext uri="{BB962C8B-B14F-4D97-AF65-F5344CB8AC3E}">
@@ -8130,6 +8564,13 @@
   <p:clrMapOvr>
     <a:masterClrMapping/>
   </p:clrMapOvr>
+  <p:timing>
+    <p:tnLst>
+      <p:par>
+        <p:cTn id="1" dur="indefinite" restart="never" nodeType="tmRoot"/>
+      </p:par>
+    </p:tnLst>
+  </p:timing>
 </p:sld>
 </file>
 
@@ -8152,47 +8593,6 @@
       </p:grpSpPr>
       <p:sp>
         <p:nvSpPr>
-          <p:cNvPr id="2" name="Titolo 1">
-            <a:extLst>
-              <a:ext uri="{FF2B5EF4-FFF2-40B4-BE49-F238E27FC236}">
-                <a16:creationId xmlns:a16="http://schemas.microsoft.com/office/drawing/2014/main" id="{D75F3DC7-BF75-429B-9482-4CD8F3529F74}"/>
-              </a:ext>
-            </a:extLst>
-          </p:cNvPr>
-          <p:cNvSpPr>
-            <a:spLocks noGrp="1"/>
-          </p:cNvSpPr>
-          <p:nvPr>
-            <p:ph type="title"/>
-          </p:nvPr>
-        </p:nvSpPr>
-        <p:spPr/>
-        <p:txBody>
-          <a:bodyPr/>
-          <a:lstStyle/>
-          <a:p>
-            <a:r>
-              <a:rPr lang="it-IT" dirty="0"/>
-              <a:t>2 </a:t>
-            </a:r>
-            <a:r>
-              <a:rPr lang="it-IT" dirty="0" err="1"/>
-              <a:t>processes</a:t>
-            </a:r>
-            <a:r>
-              <a:rPr lang="it-IT" dirty="0"/>
-              <a:t>: Training and </a:t>
-            </a:r>
-            <a:r>
-              <a:rPr lang="it-IT" dirty="0" err="1"/>
-              <a:t>detection</a:t>
-            </a:r>
-            <a:endParaRPr lang="en-US" dirty="0"/>
-          </a:p>
-        </p:txBody>
-      </p:sp>
-      <p:sp>
-        <p:nvSpPr>
           <p:cNvPr id="3" name="Segnaposto contenuto 2">
             <a:extLst>
               <a:ext uri="{FF2B5EF4-FFF2-40B4-BE49-F238E27FC236}">
@@ -8780,6 +9180,126 @@
           </a:p>
         </p:txBody>
       </p:sp>
+      <p:sp>
+        <p:nvSpPr>
+          <p:cNvPr id="13" name="Dikdörtgen 12"/>
+          <p:cNvSpPr/>
+          <p:nvPr/>
+        </p:nvSpPr>
+        <p:spPr>
+          <a:xfrm>
+            <a:off x="0" y="519870"/>
+            <a:ext cx="12192000" cy="527797"/>
+          </a:xfrm>
+          <a:prstGeom prst="rect">
+            <a:avLst/>
+          </a:prstGeom>
+          <a:solidFill>
+            <a:srgbClr val="005BBB"/>
+          </a:solidFill>
+          <a:ln>
+            <a:noFill/>
+          </a:ln>
+        </p:spPr>
+        <p:style>
+          <a:lnRef idx="2">
+            <a:schemeClr val="accent1">
+              <a:shade val="50000"/>
+            </a:schemeClr>
+          </a:lnRef>
+          <a:fillRef idx="1">
+            <a:schemeClr val="accent1"/>
+          </a:fillRef>
+          <a:effectRef idx="0">
+            <a:schemeClr val="accent1"/>
+          </a:effectRef>
+          <a:fontRef idx="minor">
+            <a:schemeClr val="lt1"/>
+          </a:fontRef>
+        </p:style>
+        <p:txBody>
+          <a:bodyPr rtlCol="0" anchor="ctr"/>
+          <a:lstStyle/>
+          <a:p>
+            <a:pPr algn="ctr"/>
+            <a:endParaRPr lang="tr-TR"/>
+          </a:p>
+        </p:txBody>
+      </p:sp>
+      <p:sp>
+        <p:nvSpPr>
+          <p:cNvPr id="14" name="Titolo 1">
+            <a:extLst>
+              <a:ext uri="{FF2B5EF4-FFF2-40B4-BE49-F238E27FC236}">
+                <a16:creationId xmlns:a16="http://schemas.microsoft.com/office/drawing/2014/main" id="{502288F2-0DA7-44D2-A55C-B47D5643BF56}"/>
+              </a:ext>
+            </a:extLst>
+          </p:cNvPr>
+          <p:cNvSpPr>
+            <a:spLocks noGrp="1"/>
+          </p:cNvSpPr>
+          <p:nvPr>
+            <p:ph type="title"/>
+          </p:nvPr>
+        </p:nvSpPr>
+        <p:spPr>
+          <a:xfrm>
+            <a:off x="2135877" y="519869"/>
+            <a:ext cx="10056123" cy="527797"/>
+          </a:xfrm>
+        </p:spPr>
+        <p:txBody>
+          <a:bodyPr>
+            <a:normAutofit fontScale="90000"/>
+          </a:bodyPr>
+          <a:lstStyle/>
+          <a:p>
+            <a:r>
+              <a:rPr lang="en-US" dirty="0">
+                <a:solidFill>
+                  <a:schemeClr val="bg1"/>
+                </a:solidFill>
+              </a:rPr>
+              <a:t>2 processes: Training and detection</a:t>
+            </a:r>
+            <a:endParaRPr lang="en-US" dirty="0">
+              <a:solidFill>
+                <a:schemeClr val="bg1"/>
+              </a:solidFill>
+            </a:endParaRPr>
+          </a:p>
+        </p:txBody>
+      </p:sp>
+      <p:pic>
+        <p:nvPicPr>
+          <p:cNvPr id="15" name="Resim 14"/>
+          <p:cNvPicPr>
+            <a:picLocks noChangeAspect="1"/>
+          </p:cNvPicPr>
+          <p:nvPr/>
+        </p:nvPicPr>
+        <p:blipFill>
+          <a:blip r:embed="rId2" cstate="hqprint">
+            <a:extLst>
+              <a:ext uri="{28A0092B-C50C-407E-A947-70E740481C1C}">
+                <a14:useLocalDpi xmlns:a14="http://schemas.microsoft.com/office/drawing/2010/main" val="0"/>
+              </a:ext>
+            </a:extLst>
+          </a:blip>
+          <a:stretch>
+            <a:fillRect/>
+          </a:stretch>
+        </p:blipFill>
+        <p:spPr>
+          <a:xfrm>
+            <a:off x="396580" y="183879"/>
+            <a:ext cx="1342718" cy="1353645"/>
+          </a:xfrm>
+          <a:prstGeom prst="rect">
+            <a:avLst/>
+          </a:prstGeom>
+        </p:spPr>
+      </p:pic>
     </p:spTree>
     <p:extLst>
       <p:ext uri="{BB962C8B-B14F-4D97-AF65-F5344CB8AC3E}">
@@ -8790,6 +9310,13 @@
   <p:clrMapOvr>
     <a:masterClrMapping/>
   </p:clrMapOvr>
+  <p:timing>
+    <p:tnLst>
+      <p:par>
+        <p:cTn id="1" dur="indefinite" restart="never" nodeType="tmRoot"/>
+      </p:par>
+    </p:tnLst>
+  </p:timing>
 </p:sld>
 </file>
 
@@ -8812,39 +9339,6 @@
       </p:grpSpPr>
       <p:sp>
         <p:nvSpPr>
-          <p:cNvPr id="2" name="Titolo 1">
-            <a:extLst>
-              <a:ext uri="{FF2B5EF4-FFF2-40B4-BE49-F238E27FC236}">
-                <a16:creationId xmlns:a16="http://schemas.microsoft.com/office/drawing/2014/main" id="{7EAF29D2-5EC0-44B0-8D1E-46A8CD589E8D}"/>
-              </a:ext>
-            </a:extLst>
-          </p:cNvPr>
-          <p:cNvSpPr>
-            <a:spLocks noGrp="1"/>
-          </p:cNvSpPr>
-          <p:nvPr>
-            <p:ph type="title"/>
-          </p:nvPr>
-        </p:nvSpPr>
-        <p:spPr/>
-        <p:txBody>
-          <a:bodyPr/>
-          <a:lstStyle/>
-          <a:p>
-            <a:r>
-              <a:rPr lang="it-IT" dirty="0"/>
-              <a:t>Training and </a:t>
-            </a:r>
-            <a:r>
-              <a:rPr lang="it-IT" dirty="0" err="1"/>
-              <a:t>substeps</a:t>
-            </a:r>
-            <a:endParaRPr lang="en-US" dirty="0"/>
-          </a:p>
-        </p:txBody>
-      </p:sp>
-      <p:sp>
-        <p:nvSpPr>
           <p:cNvPr id="3" name="Segnaposto contenuto 2">
             <a:extLst>
               <a:ext uri="{FF2B5EF4-FFF2-40B4-BE49-F238E27FC236}">
@@ -8968,6 +9462,134 @@
           </a:p>
         </p:txBody>
       </p:sp>
+      <p:sp>
+        <p:nvSpPr>
+          <p:cNvPr id="10" name="Dikdörtgen 9"/>
+          <p:cNvSpPr/>
+          <p:nvPr/>
+        </p:nvSpPr>
+        <p:spPr>
+          <a:xfrm>
+            <a:off x="0" y="519870"/>
+            <a:ext cx="12192000" cy="527797"/>
+          </a:xfrm>
+          <a:prstGeom prst="rect">
+            <a:avLst/>
+          </a:prstGeom>
+          <a:solidFill>
+            <a:srgbClr val="005BBB"/>
+          </a:solidFill>
+          <a:ln>
+            <a:noFill/>
+          </a:ln>
+        </p:spPr>
+        <p:style>
+          <a:lnRef idx="2">
+            <a:schemeClr val="accent1">
+              <a:shade val="50000"/>
+            </a:schemeClr>
+          </a:lnRef>
+          <a:fillRef idx="1">
+            <a:schemeClr val="accent1"/>
+          </a:fillRef>
+          <a:effectRef idx="0">
+            <a:schemeClr val="accent1"/>
+          </a:effectRef>
+          <a:fontRef idx="minor">
+            <a:schemeClr val="lt1"/>
+          </a:fontRef>
+        </p:style>
+        <p:txBody>
+          <a:bodyPr rtlCol="0" anchor="ctr"/>
+          <a:lstStyle/>
+          <a:p>
+            <a:pPr algn="ctr"/>
+            <a:endParaRPr lang="tr-TR"/>
+          </a:p>
+        </p:txBody>
+      </p:sp>
+      <p:sp>
+        <p:nvSpPr>
+          <p:cNvPr id="11" name="Titolo 1">
+            <a:extLst>
+              <a:ext uri="{FF2B5EF4-FFF2-40B4-BE49-F238E27FC236}">
+                <a16:creationId xmlns:a16="http://schemas.microsoft.com/office/drawing/2014/main" id="{502288F2-0DA7-44D2-A55C-B47D5643BF56}"/>
+              </a:ext>
+            </a:extLst>
+          </p:cNvPr>
+          <p:cNvSpPr>
+            <a:spLocks noGrp="1"/>
+          </p:cNvSpPr>
+          <p:nvPr>
+            <p:ph type="title"/>
+          </p:nvPr>
+        </p:nvSpPr>
+        <p:spPr>
+          <a:xfrm>
+            <a:off x="2135877" y="519869"/>
+            <a:ext cx="10056123" cy="527797"/>
+          </a:xfrm>
+        </p:spPr>
+        <p:txBody>
+          <a:bodyPr>
+            <a:normAutofit fontScale="90000"/>
+          </a:bodyPr>
+          <a:lstStyle/>
+          <a:p>
+            <a:r>
+              <a:rPr lang="en-US" dirty="0">
+                <a:solidFill>
+                  <a:schemeClr val="bg1"/>
+                </a:solidFill>
+              </a:rPr>
+              <a:t>Training and </a:t>
+            </a:r>
+            <a:r>
+              <a:rPr lang="en-US" dirty="0" err="1">
+                <a:solidFill>
+                  <a:schemeClr val="bg1"/>
+                </a:solidFill>
+              </a:rPr>
+              <a:t>substeps</a:t>
+            </a:r>
+            <a:endParaRPr lang="en-US" dirty="0">
+              <a:solidFill>
+                <a:schemeClr val="bg1"/>
+              </a:solidFill>
+            </a:endParaRPr>
+          </a:p>
+        </p:txBody>
+      </p:sp>
+      <p:pic>
+        <p:nvPicPr>
+          <p:cNvPr id="12" name="Resim 11"/>
+          <p:cNvPicPr>
+            <a:picLocks noChangeAspect="1"/>
+          </p:cNvPicPr>
+          <p:nvPr/>
+        </p:nvPicPr>
+        <p:blipFill>
+          <a:blip r:embed="rId2" cstate="hqprint">
+            <a:extLst>
+              <a:ext uri="{28A0092B-C50C-407E-A947-70E740481C1C}">
+                <a14:useLocalDpi xmlns:a14="http://schemas.microsoft.com/office/drawing/2010/main" val="0"/>
+              </a:ext>
+            </a:extLst>
+          </a:blip>
+          <a:stretch>
+            <a:fillRect/>
+          </a:stretch>
+        </p:blipFill>
+        <p:spPr>
+          <a:xfrm>
+            <a:off x="396580" y="183879"/>
+            <a:ext cx="1342718" cy="1353645"/>
+          </a:xfrm>
+          <a:prstGeom prst="rect">
+            <a:avLst/>
+          </a:prstGeom>
+        </p:spPr>
+      </p:pic>
     </p:spTree>
     <p:extLst>
       <p:ext uri="{BB962C8B-B14F-4D97-AF65-F5344CB8AC3E}">
@@ -8978,6 +9600,13 @@
   <p:clrMapOvr>
     <a:masterClrMapping/>
   </p:clrMapOvr>
+  <p:timing>
+    <p:tnLst>
+      <p:par>
+        <p:cTn id="1" dur="indefinite" restart="never" nodeType="tmRoot"/>
+      </p:par>
+    </p:tnLst>
+  </p:timing>
 </p:sld>
 </file>
 
@@ -9000,39 +9629,6 @@
       </p:grpSpPr>
       <p:sp>
         <p:nvSpPr>
-          <p:cNvPr id="2" name="Titolo 1">
-            <a:extLst>
-              <a:ext uri="{FF2B5EF4-FFF2-40B4-BE49-F238E27FC236}">
-                <a16:creationId xmlns:a16="http://schemas.microsoft.com/office/drawing/2014/main" id="{7EAF29D2-5EC0-44B0-8D1E-46A8CD589E8D}"/>
-              </a:ext>
-            </a:extLst>
-          </p:cNvPr>
-          <p:cNvSpPr>
-            <a:spLocks noGrp="1"/>
-          </p:cNvSpPr>
-          <p:nvPr>
-            <p:ph type="title"/>
-          </p:nvPr>
-        </p:nvSpPr>
-        <p:spPr/>
-        <p:txBody>
-          <a:bodyPr/>
-          <a:lstStyle/>
-          <a:p>
-            <a:r>
-              <a:rPr lang="it-IT" dirty="0"/>
-              <a:t>Training and </a:t>
-            </a:r>
-            <a:r>
-              <a:rPr lang="it-IT" dirty="0" err="1"/>
-              <a:t>substeps</a:t>
-            </a:r>
-            <a:endParaRPr lang="en-US" dirty="0"/>
-          </a:p>
-        </p:txBody>
-      </p:sp>
-      <p:sp>
-        <p:nvSpPr>
           <p:cNvPr id="3" name="Segnaposto contenuto 2">
             <a:extLst>
               <a:ext uri="{FF2B5EF4-FFF2-40B4-BE49-F238E27FC236}">
@@ -9200,6 +9796,158 @@
           </a:p>
         </p:txBody>
       </p:sp>
+      <p:sp>
+        <p:nvSpPr>
+          <p:cNvPr id="8" name="Dikdörtgen 7"/>
+          <p:cNvSpPr/>
+          <p:nvPr/>
+        </p:nvSpPr>
+        <p:spPr>
+          <a:xfrm>
+            <a:off x="0" y="519870"/>
+            <a:ext cx="12192000" cy="527797"/>
+          </a:xfrm>
+          <a:prstGeom prst="rect">
+            <a:avLst/>
+          </a:prstGeom>
+          <a:solidFill>
+            <a:srgbClr val="005BBB"/>
+          </a:solidFill>
+          <a:ln>
+            <a:noFill/>
+          </a:ln>
+        </p:spPr>
+        <p:style>
+          <a:lnRef idx="2">
+            <a:schemeClr val="accent1">
+              <a:shade val="50000"/>
+            </a:schemeClr>
+          </a:lnRef>
+          <a:fillRef idx="1">
+            <a:schemeClr val="accent1"/>
+          </a:fillRef>
+          <a:effectRef idx="0">
+            <a:schemeClr val="accent1"/>
+          </a:effectRef>
+          <a:fontRef idx="minor">
+            <a:schemeClr val="lt1"/>
+          </a:fontRef>
+        </p:style>
+        <p:txBody>
+          <a:bodyPr rtlCol="0" anchor="ctr"/>
+          <a:lstStyle/>
+          <a:p>
+            <a:pPr algn="ctr"/>
+            <a:endParaRPr lang="tr-TR"/>
+          </a:p>
+        </p:txBody>
+      </p:sp>
+      <p:sp>
+        <p:nvSpPr>
+          <p:cNvPr id="9" name="Titolo 1">
+            <a:extLst>
+              <a:ext uri="{FF2B5EF4-FFF2-40B4-BE49-F238E27FC236}">
+                <a16:creationId xmlns:a16="http://schemas.microsoft.com/office/drawing/2014/main" id="{502288F2-0DA7-44D2-A55C-B47D5643BF56}"/>
+              </a:ext>
+            </a:extLst>
+          </p:cNvPr>
+          <p:cNvSpPr>
+            <a:spLocks noGrp="1"/>
+          </p:cNvSpPr>
+          <p:nvPr>
+            <p:ph type="title"/>
+          </p:nvPr>
+        </p:nvSpPr>
+        <p:spPr>
+          <a:xfrm>
+            <a:off x="2135877" y="519869"/>
+            <a:ext cx="10056123" cy="527797"/>
+          </a:xfrm>
+        </p:spPr>
+        <p:txBody>
+          <a:bodyPr>
+            <a:normAutofit fontScale="90000"/>
+          </a:bodyPr>
+          <a:lstStyle/>
+          <a:p>
+            <a:r>
+              <a:rPr lang="en-US" dirty="0">
+                <a:solidFill>
+                  <a:schemeClr val="bg1"/>
+                </a:solidFill>
+              </a:rPr>
+              <a:t>Training and </a:t>
+            </a:r>
+            <a:r>
+              <a:rPr lang="en-US" dirty="0" err="1">
+                <a:solidFill>
+                  <a:schemeClr val="bg1"/>
+                </a:solidFill>
+              </a:rPr>
+              <a:t>substeps</a:t>
+            </a:r>
+            <a:r>
+              <a:rPr lang="en-US" dirty="0">
+                <a:solidFill>
+                  <a:schemeClr val="bg1"/>
+                </a:solidFill>
+              </a:rPr>
+              <a:t> (</a:t>
+            </a:r>
+            <a:r>
+              <a:rPr lang="en-US" dirty="0" err="1">
+                <a:solidFill>
+                  <a:schemeClr val="bg1"/>
+                </a:solidFill>
+              </a:rPr>
+              <a:t>cntd</a:t>
+            </a:r>
+            <a:r>
+              <a:rPr lang="en-US" dirty="0">
+                <a:solidFill>
+                  <a:schemeClr val="bg1"/>
+                </a:solidFill>
+              </a:rPr>
+              <a:t>.)</a:t>
+            </a:r>
+            <a:endParaRPr lang="en-US" dirty="0">
+              <a:solidFill>
+                <a:schemeClr val="bg1"/>
+              </a:solidFill>
+            </a:endParaRPr>
+          </a:p>
+        </p:txBody>
+      </p:sp>
+      <p:pic>
+        <p:nvPicPr>
+          <p:cNvPr id="10" name="Resim 9"/>
+          <p:cNvPicPr>
+            <a:picLocks noChangeAspect="1"/>
+          </p:cNvPicPr>
+          <p:nvPr/>
+        </p:nvPicPr>
+        <p:blipFill>
+          <a:blip r:embed="rId2" cstate="hqprint">
+            <a:extLst>
+              <a:ext uri="{28A0092B-C50C-407E-A947-70E740481C1C}">
+                <a14:useLocalDpi xmlns:a14="http://schemas.microsoft.com/office/drawing/2010/main" val="0"/>
+              </a:ext>
+            </a:extLst>
+          </a:blip>
+          <a:stretch>
+            <a:fillRect/>
+          </a:stretch>
+        </p:blipFill>
+        <p:spPr>
+          <a:xfrm>
+            <a:off x="396580" y="183879"/>
+            <a:ext cx="1342718" cy="1353645"/>
+          </a:xfrm>
+          <a:prstGeom prst="rect">
+            <a:avLst/>
+          </a:prstGeom>
+        </p:spPr>
+      </p:pic>
     </p:spTree>
     <p:extLst>
       <p:ext uri="{BB962C8B-B14F-4D97-AF65-F5344CB8AC3E}">
@@ -9210,6 +9958,13 @@
   <p:clrMapOvr>
     <a:masterClrMapping/>
   </p:clrMapOvr>
+  <p:timing>
+    <p:tnLst>
+      <p:par>
+        <p:cTn id="1" dur="indefinite" restart="never" nodeType="tmRoot"/>
+      </p:par>
+    </p:tnLst>
+  </p:timing>
 </p:sld>
 </file>
 
@@ -9232,43 +9987,6 @@
       </p:grpSpPr>
       <p:sp>
         <p:nvSpPr>
-          <p:cNvPr id="2" name="Titolo 1">
-            <a:extLst>
-              <a:ext uri="{FF2B5EF4-FFF2-40B4-BE49-F238E27FC236}">
-                <a16:creationId xmlns:a16="http://schemas.microsoft.com/office/drawing/2014/main" id="{65C56220-31A1-4181-A7A0-3F57D44FE1FE}"/>
-              </a:ext>
-            </a:extLst>
-          </p:cNvPr>
-          <p:cNvSpPr>
-            <a:spLocks noGrp="1"/>
-          </p:cNvSpPr>
-          <p:nvPr>
-            <p:ph type="title"/>
-          </p:nvPr>
-        </p:nvSpPr>
-        <p:spPr/>
-        <p:txBody>
-          <a:bodyPr/>
-          <a:lstStyle/>
-          <a:p>
-            <a:r>
-              <a:rPr lang="it-IT" dirty="0" err="1"/>
-              <a:t>Detection</a:t>
-            </a:r>
-            <a:r>
-              <a:rPr lang="it-IT" dirty="0"/>
-              <a:t> and </a:t>
-            </a:r>
-            <a:r>
-              <a:rPr lang="it-IT" dirty="0" err="1"/>
-              <a:t>substeps</a:t>
-            </a:r>
-            <a:endParaRPr lang="en-US" dirty="0"/>
-          </a:p>
-        </p:txBody>
-      </p:sp>
-      <p:sp>
-        <p:nvSpPr>
           <p:cNvPr id="3" name="Segnaposto contenuto 2">
             <a:extLst>
               <a:ext uri="{FF2B5EF4-FFF2-40B4-BE49-F238E27FC236}">
@@ -10110,6 +10828,134 @@
           </a:p>
         </p:txBody>
       </p:sp>
+      <p:sp>
+        <p:nvSpPr>
+          <p:cNvPr id="9" name="Dikdörtgen 8"/>
+          <p:cNvSpPr/>
+          <p:nvPr/>
+        </p:nvSpPr>
+        <p:spPr>
+          <a:xfrm>
+            <a:off x="0" y="519870"/>
+            <a:ext cx="12192000" cy="527797"/>
+          </a:xfrm>
+          <a:prstGeom prst="rect">
+            <a:avLst/>
+          </a:prstGeom>
+          <a:solidFill>
+            <a:srgbClr val="005BBB"/>
+          </a:solidFill>
+          <a:ln>
+            <a:noFill/>
+          </a:ln>
+        </p:spPr>
+        <p:style>
+          <a:lnRef idx="2">
+            <a:schemeClr val="accent1">
+              <a:shade val="50000"/>
+            </a:schemeClr>
+          </a:lnRef>
+          <a:fillRef idx="1">
+            <a:schemeClr val="accent1"/>
+          </a:fillRef>
+          <a:effectRef idx="0">
+            <a:schemeClr val="accent1"/>
+          </a:effectRef>
+          <a:fontRef idx="minor">
+            <a:schemeClr val="lt1"/>
+          </a:fontRef>
+        </p:style>
+        <p:txBody>
+          <a:bodyPr rtlCol="0" anchor="ctr"/>
+          <a:lstStyle/>
+          <a:p>
+            <a:pPr algn="ctr"/>
+            <a:endParaRPr lang="tr-TR"/>
+          </a:p>
+        </p:txBody>
+      </p:sp>
+      <p:sp>
+        <p:nvSpPr>
+          <p:cNvPr id="10" name="Titolo 1">
+            <a:extLst>
+              <a:ext uri="{FF2B5EF4-FFF2-40B4-BE49-F238E27FC236}">
+                <a16:creationId xmlns:a16="http://schemas.microsoft.com/office/drawing/2014/main" id="{502288F2-0DA7-44D2-A55C-B47D5643BF56}"/>
+              </a:ext>
+            </a:extLst>
+          </p:cNvPr>
+          <p:cNvSpPr>
+            <a:spLocks noGrp="1"/>
+          </p:cNvSpPr>
+          <p:nvPr>
+            <p:ph type="title"/>
+          </p:nvPr>
+        </p:nvSpPr>
+        <p:spPr>
+          <a:xfrm>
+            <a:off x="2135877" y="519869"/>
+            <a:ext cx="10056123" cy="527797"/>
+          </a:xfrm>
+        </p:spPr>
+        <p:txBody>
+          <a:bodyPr>
+            <a:normAutofit fontScale="90000"/>
+          </a:bodyPr>
+          <a:lstStyle/>
+          <a:p>
+            <a:r>
+              <a:rPr lang="en-US" dirty="0">
+                <a:solidFill>
+                  <a:schemeClr val="bg1"/>
+                </a:solidFill>
+              </a:rPr>
+              <a:t>Detection and </a:t>
+            </a:r>
+            <a:r>
+              <a:rPr lang="en-US" dirty="0" err="1">
+                <a:solidFill>
+                  <a:schemeClr val="bg1"/>
+                </a:solidFill>
+              </a:rPr>
+              <a:t>substeps</a:t>
+            </a:r>
+            <a:endParaRPr lang="en-US" dirty="0">
+              <a:solidFill>
+                <a:schemeClr val="bg1"/>
+              </a:solidFill>
+            </a:endParaRPr>
+          </a:p>
+        </p:txBody>
+      </p:sp>
+      <p:pic>
+        <p:nvPicPr>
+          <p:cNvPr id="11" name="Resim 10"/>
+          <p:cNvPicPr>
+            <a:picLocks noChangeAspect="1"/>
+          </p:cNvPicPr>
+          <p:nvPr/>
+        </p:nvPicPr>
+        <p:blipFill>
+          <a:blip r:embed="rId2" cstate="hqprint">
+            <a:extLst>
+              <a:ext uri="{28A0092B-C50C-407E-A947-70E740481C1C}">
+                <a14:useLocalDpi xmlns:a14="http://schemas.microsoft.com/office/drawing/2010/main" val="0"/>
+              </a:ext>
+            </a:extLst>
+          </a:blip>
+          <a:stretch>
+            <a:fillRect/>
+          </a:stretch>
+        </p:blipFill>
+        <p:spPr>
+          <a:xfrm>
+            <a:off x="396580" y="183879"/>
+            <a:ext cx="1342718" cy="1353645"/>
+          </a:xfrm>
+          <a:prstGeom prst="rect">
+            <a:avLst/>
+          </a:prstGeom>
+        </p:spPr>
+      </p:pic>
     </p:spTree>
     <p:extLst>
       <p:ext uri="{BB962C8B-B14F-4D97-AF65-F5344CB8AC3E}">
@@ -10120,6 +10966,13 @@
   <p:clrMapOvr>
     <a:masterClrMapping/>
   </p:clrMapOvr>
+  <p:timing>
+    <p:tnLst>
+      <p:par>
+        <p:cTn id="1" dur="indefinite" restart="never" nodeType="tmRoot"/>
+      </p:par>
+    </p:tnLst>
+  </p:timing>
 </p:sld>
 </file>
 
@@ -10237,10 +11090,56 @@
       </p:sp>
       <p:sp>
         <p:nvSpPr>
-          <p:cNvPr id="4" name="Titolo 1">
+          <p:cNvPr id="8" name="Dikdörtgen 7"/>
+          <p:cNvSpPr/>
+          <p:nvPr/>
+        </p:nvSpPr>
+        <p:spPr>
+          <a:xfrm>
+            <a:off x="0" y="519870"/>
+            <a:ext cx="12192000" cy="527797"/>
+          </a:xfrm>
+          <a:prstGeom prst="rect">
+            <a:avLst/>
+          </a:prstGeom>
+          <a:solidFill>
+            <a:srgbClr val="005BBB"/>
+          </a:solidFill>
+          <a:ln>
+            <a:noFill/>
+          </a:ln>
+        </p:spPr>
+        <p:style>
+          <a:lnRef idx="2">
+            <a:schemeClr val="accent1">
+              <a:shade val="50000"/>
+            </a:schemeClr>
+          </a:lnRef>
+          <a:fillRef idx="1">
+            <a:schemeClr val="accent1"/>
+          </a:fillRef>
+          <a:effectRef idx="0">
+            <a:schemeClr val="accent1"/>
+          </a:effectRef>
+          <a:fontRef idx="minor">
+            <a:schemeClr val="lt1"/>
+          </a:fontRef>
+        </p:style>
+        <p:txBody>
+          <a:bodyPr rtlCol="0" anchor="ctr"/>
+          <a:lstStyle/>
+          <a:p>
+            <a:pPr algn="ctr"/>
+            <a:endParaRPr lang="tr-TR"/>
+          </a:p>
+        </p:txBody>
+      </p:sp>
+      <p:sp>
+        <p:nvSpPr>
+          <p:cNvPr id="9" name="Titolo 1">
             <a:extLst>
               <a:ext uri="{FF2B5EF4-FFF2-40B4-BE49-F238E27FC236}">
-                <a16:creationId xmlns:a16="http://schemas.microsoft.com/office/drawing/2014/main" id="{7DA042AB-4EF0-4B05-8B07-F50E5AD79943}"/>
+                <a16:creationId xmlns:a16="http://schemas.microsoft.com/office/drawing/2014/main" id="{502288F2-0DA7-44D2-A55C-B47D5643BF56}"/>
               </a:ext>
             </a:extLst>
           </p:cNvPr>
@@ -10253,30 +11152,89 @@
         </p:nvSpPr>
         <p:spPr>
           <a:xfrm>
-            <a:off x="838200" y="365125"/>
-            <a:ext cx="10515600" cy="1325563"/>
+            <a:off x="2135877" y="519869"/>
+            <a:ext cx="10056123" cy="527797"/>
           </a:xfrm>
         </p:spPr>
         <p:txBody>
-          <a:bodyPr/>
+          <a:bodyPr>
+            <a:normAutofit fontScale="90000"/>
+          </a:bodyPr>
           <a:lstStyle/>
           <a:p>
             <a:r>
-              <a:rPr lang="it-IT" dirty="0" err="1"/>
-              <a:t>Detection</a:t>
-            </a:r>
-            <a:r>
-              <a:rPr lang="it-IT" dirty="0"/>
-              <a:t> and </a:t>
-            </a:r>
-            <a:r>
-              <a:rPr lang="it-IT" dirty="0" err="1"/>
+              <a:rPr lang="en-US" dirty="0">
+                <a:solidFill>
+                  <a:schemeClr val="bg1"/>
+                </a:solidFill>
+              </a:rPr>
+              <a:t>Detection and </a:t>
+            </a:r>
+            <a:r>
+              <a:rPr lang="en-US" dirty="0" err="1">
+                <a:solidFill>
+                  <a:schemeClr val="bg1"/>
+                </a:solidFill>
+              </a:rPr>
               <a:t>substeps</a:t>
             </a:r>
-            <a:endParaRPr lang="en-US" dirty="0"/>
+            <a:r>
+              <a:rPr lang="en-US" dirty="0">
+                <a:solidFill>
+                  <a:schemeClr val="bg1"/>
+                </a:solidFill>
+              </a:rPr>
+              <a:t> (</a:t>
+            </a:r>
+            <a:r>
+              <a:rPr lang="en-US" dirty="0" err="1">
+                <a:solidFill>
+                  <a:schemeClr val="bg1"/>
+                </a:solidFill>
+              </a:rPr>
+              <a:t>cntd</a:t>
+            </a:r>
+            <a:r>
+              <a:rPr lang="en-US" dirty="0">
+                <a:solidFill>
+                  <a:schemeClr val="bg1"/>
+                </a:solidFill>
+              </a:rPr>
+              <a:t>.) </a:t>
+            </a:r>
           </a:p>
         </p:txBody>
       </p:sp>
+      <p:pic>
+        <p:nvPicPr>
+          <p:cNvPr id="10" name="Resim 9"/>
+          <p:cNvPicPr>
+            <a:picLocks noChangeAspect="1"/>
+          </p:cNvPicPr>
+          <p:nvPr/>
+        </p:nvPicPr>
+        <p:blipFill>
+          <a:blip r:embed="rId2" cstate="hqprint">
+            <a:extLst>
+              <a:ext uri="{28A0092B-C50C-407E-A947-70E740481C1C}">
+                <a14:useLocalDpi xmlns:a14="http://schemas.microsoft.com/office/drawing/2010/main" val="0"/>
+              </a:ext>
+            </a:extLst>
+          </a:blip>
+          <a:stretch>
+            <a:fillRect/>
+          </a:stretch>
+        </p:blipFill>
+        <p:spPr>
+          <a:xfrm>
+            <a:off x="396580" y="183879"/>
+            <a:ext cx="1342718" cy="1353645"/>
+          </a:xfrm>
+          <a:prstGeom prst="rect">
+            <a:avLst/>
+          </a:prstGeom>
+        </p:spPr>
+      </p:pic>
     </p:spTree>
     <p:extLst>
       <p:ext uri="{BB962C8B-B14F-4D97-AF65-F5344CB8AC3E}">
@@ -10287,6 +11245,13 @@
   <p:clrMapOvr>
     <a:masterClrMapping/>
   </p:clrMapOvr>
+  <p:timing>
+    <p:tnLst>
+      <p:par>
+        <p:cTn id="1" dur="indefinite" restart="never" nodeType="tmRoot"/>
+      </p:par>
+    </p:tnLst>
+  </p:timing>
 </p:sld>
 </file>
 
@@ -10307,47 +11272,6 @@
           <a:chExt cx="0" cy="0"/>
         </a:xfrm>
       </p:grpSpPr>
-      <p:sp>
-        <p:nvSpPr>
-          <p:cNvPr id="2" name="Titolo 1">
-            <a:extLst>
-              <a:ext uri="{FF2B5EF4-FFF2-40B4-BE49-F238E27FC236}">
-                <a16:creationId xmlns:a16="http://schemas.microsoft.com/office/drawing/2014/main" id="{482463F0-C3D7-4292-AD7F-1DFF28812B0B}"/>
-              </a:ext>
-            </a:extLst>
-          </p:cNvPr>
-          <p:cNvSpPr>
-            <a:spLocks noGrp="1"/>
-          </p:cNvSpPr>
-          <p:nvPr>
-            <p:ph type="title"/>
-          </p:nvPr>
-        </p:nvSpPr>
-        <p:spPr/>
-        <p:txBody>
-          <a:bodyPr/>
-          <a:lstStyle/>
-          <a:p>
-            <a:r>
-              <a:rPr lang="it-IT" dirty="0" err="1"/>
-              <a:t>Detection</a:t>
-            </a:r>
-            <a:r>
-              <a:rPr lang="it-IT" dirty="0"/>
-              <a:t> </a:t>
-            </a:r>
-            <a:r>
-              <a:rPr lang="it-IT" dirty="0" err="1"/>
-              <a:t>substeps</a:t>
-            </a:r>
-            <a:r>
-              <a:rPr lang="it-IT" dirty="0"/>
-              <a:t> flow</a:t>
-            </a:r>
-            <a:endParaRPr lang="en-US" dirty="0"/>
-          </a:p>
-        </p:txBody>
-      </p:sp>
       <p:graphicFrame>
         <p:nvGraphicFramePr>
           <p:cNvPr id="4" name="Diagramma 3">
@@ -10648,6 +11572,137 @@
           </a:p>
         </p:txBody>
       </p:sp>
+      <p:sp>
+        <p:nvSpPr>
+          <p:cNvPr id="16" name="Dikdörtgen 15"/>
+          <p:cNvSpPr/>
+          <p:nvPr/>
+        </p:nvSpPr>
+        <p:spPr>
+          <a:xfrm>
+            <a:off x="0" y="519870"/>
+            <a:ext cx="12192000" cy="527797"/>
+          </a:xfrm>
+          <a:prstGeom prst="rect">
+            <a:avLst/>
+          </a:prstGeom>
+          <a:solidFill>
+            <a:srgbClr val="005BBB"/>
+          </a:solidFill>
+          <a:ln>
+            <a:noFill/>
+          </a:ln>
+        </p:spPr>
+        <p:style>
+          <a:lnRef idx="2">
+            <a:schemeClr val="accent1">
+              <a:shade val="50000"/>
+            </a:schemeClr>
+          </a:lnRef>
+          <a:fillRef idx="1">
+            <a:schemeClr val="accent1"/>
+          </a:fillRef>
+          <a:effectRef idx="0">
+            <a:schemeClr val="accent1"/>
+          </a:effectRef>
+          <a:fontRef idx="minor">
+            <a:schemeClr val="lt1"/>
+          </a:fontRef>
+        </p:style>
+        <p:txBody>
+          <a:bodyPr rtlCol="0" anchor="ctr"/>
+          <a:lstStyle/>
+          <a:p>
+            <a:pPr algn="ctr"/>
+            <a:endParaRPr lang="tr-TR"/>
+          </a:p>
+        </p:txBody>
+      </p:sp>
+      <p:sp>
+        <p:nvSpPr>
+          <p:cNvPr id="17" name="Titolo 1">
+            <a:extLst>
+              <a:ext uri="{FF2B5EF4-FFF2-40B4-BE49-F238E27FC236}">
+                <a16:creationId xmlns:a16="http://schemas.microsoft.com/office/drawing/2014/main" id="{502288F2-0DA7-44D2-A55C-B47D5643BF56}"/>
+              </a:ext>
+            </a:extLst>
+          </p:cNvPr>
+          <p:cNvSpPr>
+            <a:spLocks noGrp="1"/>
+          </p:cNvSpPr>
+          <p:nvPr>
+            <p:ph type="title"/>
+          </p:nvPr>
+        </p:nvSpPr>
+        <p:spPr>
+          <a:xfrm>
+            <a:off x="2135877" y="519869"/>
+            <a:ext cx="10056123" cy="527797"/>
+          </a:xfrm>
+        </p:spPr>
+        <p:txBody>
+          <a:bodyPr>
+            <a:normAutofit fontScale="90000"/>
+          </a:bodyPr>
+          <a:lstStyle/>
+          <a:p>
+            <a:r>
+              <a:rPr lang="en-US" dirty="0">
+                <a:solidFill>
+                  <a:schemeClr val="bg1"/>
+                </a:solidFill>
+              </a:rPr>
+              <a:t>Detection </a:t>
+            </a:r>
+            <a:r>
+              <a:rPr lang="en-US" dirty="0" err="1">
+                <a:solidFill>
+                  <a:schemeClr val="bg1"/>
+                </a:solidFill>
+              </a:rPr>
+              <a:t>substeps</a:t>
+            </a:r>
+            <a:r>
+              <a:rPr lang="en-US" dirty="0">
+                <a:solidFill>
+                  <a:schemeClr val="bg1"/>
+                </a:solidFill>
+              </a:rPr>
+              <a:t> flow</a:t>
+            </a:r>
+          </a:p>
+        </p:txBody>
+      </p:sp>
+      <p:pic>
+        <p:nvPicPr>
+          <p:cNvPr id="18" name="Resim 17"/>
+          <p:cNvPicPr>
+            <a:picLocks noChangeAspect="1"/>
+          </p:cNvPicPr>
+          <p:nvPr/>
+        </p:nvPicPr>
+        <p:blipFill>
+          <a:blip r:embed="rId7" cstate="hqprint">
+            <a:extLst>
+              <a:ext uri="{28A0092B-C50C-407E-A947-70E740481C1C}">
+                <a14:useLocalDpi xmlns:a14="http://schemas.microsoft.com/office/drawing/2010/main" val="0"/>
+              </a:ext>
+            </a:extLst>
+          </a:blip>
+          <a:stretch>
+            <a:fillRect/>
+          </a:stretch>
+        </p:blipFill>
+        <p:spPr>
+          <a:xfrm>
+            <a:off x="396580" y="183879"/>
+            <a:ext cx="1342718" cy="1353645"/>
+          </a:xfrm>
+          <a:prstGeom prst="rect">
+            <a:avLst/>
+          </a:prstGeom>
+        </p:spPr>
+      </p:pic>
     </p:spTree>
     <p:extLst>
       <p:ext uri="{BB962C8B-B14F-4D97-AF65-F5344CB8AC3E}">
@@ -10658,6 +11713,13 @@
   <p:clrMapOvr>
     <a:masterClrMapping/>
   </p:clrMapOvr>
+  <p:timing>
+    <p:tnLst>
+      <p:par>
+        <p:cTn id="1" dur="indefinite" restart="never" nodeType="tmRoot"/>
+      </p:par>
+    </p:tnLst>
+  </p:timing>
 </p:sld>
 </file>
 
@@ -10680,35 +11742,6 @@
       </p:grpSpPr>
       <p:sp>
         <p:nvSpPr>
-          <p:cNvPr id="2" name="Titolo 1">
-            <a:extLst>
-              <a:ext uri="{FF2B5EF4-FFF2-40B4-BE49-F238E27FC236}">
-                <a16:creationId xmlns:a16="http://schemas.microsoft.com/office/drawing/2014/main" id="{748D4B57-B027-4D7F-BB4A-E11408FF1E00}"/>
-              </a:ext>
-            </a:extLst>
-          </p:cNvPr>
-          <p:cNvSpPr>
-            <a:spLocks noGrp="1"/>
-          </p:cNvSpPr>
-          <p:nvPr>
-            <p:ph type="title"/>
-          </p:nvPr>
-        </p:nvSpPr>
-        <p:spPr/>
-        <p:txBody>
-          <a:bodyPr/>
-          <a:lstStyle/>
-          <a:p>
-            <a:r>
-              <a:rPr lang="it-IT" dirty="0"/>
-              <a:t>Processing time</a:t>
-            </a:r>
-            <a:endParaRPr lang="en-US" dirty="0"/>
-          </a:p>
-        </p:txBody>
-      </p:sp>
-      <p:sp>
-        <p:nvSpPr>
           <p:cNvPr id="3" name="Segnaposto contenuto 2">
             <a:extLst>
               <a:ext uri="{FF2B5EF4-FFF2-40B4-BE49-F238E27FC236}">
@@ -10732,6 +11765,134 @@
           </a:p>
         </p:txBody>
       </p:sp>
+      <p:sp>
+        <p:nvSpPr>
+          <p:cNvPr id="7" name="Dikdörtgen 6"/>
+          <p:cNvSpPr/>
+          <p:nvPr/>
+        </p:nvSpPr>
+        <p:spPr>
+          <a:xfrm>
+            <a:off x="0" y="519870"/>
+            <a:ext cx="12192000" cy="527797"/>
+          </a:xfrm>
+          <a:prstGeom prst="rect">
+            <a:avLst/>
+          </a:prstGeom>
+          <a:solidFill>
+            <a:srgbClr val="005BBB"/>
+          </a:solidFill>
+          <a:ln>
+            <a:noFill/>
+          </a:ln>
+        </p:spPr>
+        <p:style>
+          <a:lnRef idx="2">
+            <a:schemeClr val="accent1">
+              <a:shade val="50000"/>
+            </a:schemeClr>
+          </a:lnRef>
+          <a:fillRef idx="1">
+            <a:schemeClr val="accent1"/>
+          </a:fillRef>
+          <a:effectRef idx="0">
+            <a:schemeClr val="accent1"/>
+          </a:effectRef>
+          <a:fontRef idx="minor">
+            <a:schemeClr val="lt1"/>
+          </a:fontRef>
+        </p:style>
+        <p:txBody>
+          <a:bodyPr rtlCol="0" anchor="ctr"/>
+          <a:lstStyle/>
+          <a:p>
+            <a:pPr algn="ctr"/>
+            <a:endParaRPr lang="tr-TR"/>
+          </a:p>
+        </p:txBody>
+      </p:sp>
+      <p:sp>
+        <p:nvSpPr>
+          <p:cNvPr id="8" name="Titolo 1">
+            <a:extLst>
+              <a:ext uri="{FF2B5EF4-FFF2-40B4-BE49-F238E27FC236}">
+                <a16:creationId xmlns:a16="http://schemas.microsoft.com/office/drawing/2014/main" id="{502288F2-0DA7-44D2-A55C-B47D5643BF56}"/>
+              </a:ext>
+            </a:extLst>
+          </p:cNvPr>
+          <p:cNvSpPr>
+            <a:spLocks noGrp="1"/>
+          </p:cNvSpPr>
+          <p:nvPr>
+            <p:ph type="title"/>
+          </p:nvPr>
+        </p:nvSpPr>
+        <p:spPr>
+          <a:xfrm>
+            <a:off x="2135877" y="519869"/>
+            <a:ext cx="10056123" cy="527797"/>
+          </a:xfrm>
+        </p:spPr>
+        <p:txBody>
+          <a:bodyPr>
+            <a:normAutofit fontScale="90000"/>
+          </a:bodyPr>
+          <a:lstStyle/>
+          <a:p>
+            <a:r>
+              <a:rPr lang="tr-TR" dirty="0" err="1" smtClean="0">
+                <a:solidFill>
+                  <a:schemeClr val="bg1"/>
+                </a:solidFill>
+              </a:rPr>
+              <a:t>Processing</a:t>
+            </a:r>
+            <a:r>
+              <a:rPr lang="tr-TR" dirty="0" smtClean="0">
+                <a:solidFill>
+                  <a:schemeClr val="bg1"/>
+                </a:solidFill>
+              </a:rPr>
+              <a:t> Time</a:t>
+            </a:r>
+            <a:endParaRPr lang="en-US" dirty="0">
+              <a:solidFill>
+                <a:schemeClr val="bg1"/>
+              </a:solidFill>
+            </a:endParaRPr>
+          </a:p>
+        </p:txBody>
+      </p:sp>
+      <p:pic>
+        <p:nvPicPr>
+          <p:cNvPr id="9" name="Resim 8"/>
+          <p:cNvPicPr>
+            <a:picLocks noChangeAspect="1"/>
+          </p:cNvPicPr>
+          <p:nvPr/>
+        </p:nvPicPr>
+        <p:blipFill>
+          <a:blip r:embed="rId2" cstate="hqprint">
+            <a:extLst>
+              <a:ext uri="{28A0092B-C50C-407E-A947-70E740481C1C}">
+                <a14:useLocalDpi xmlns:a14="http://schemas.microsoft.com/office/drawing/2010/main" val="0"/>
+              </a:ext>
+            </a:extLst>
+          </a:blip>
+          <a:stretch>
+            <a:fillRect/>
+          </a:stretch>
+        </p:blipFill>
+        <p:spPr>
+          <a:xfrm>
+            <a:off x="396580" y="183879"/>
+            <a:ext cx="1342718" cy="1353645"/>
+          </a:xfrm>
+          <a:prstGeom prst="rect">
+            <a:avLst/>
+          </a:prstGeom>
+        </p:spPr>
+      </p:pic>
     </p:spTree>
     <p:extLst>
       <p:ext uri="{BB962C8B-B14F-4D97-AF65-F5344CB8AC3E}">
@@ -10742,6 +11903,13 @@
   <p:clrMapOvr>
     <a:masterClrMapping/>
   </p:clrMapOvr>
+  <p:timing>
+    <p:tnLst>
+      <p:par>
+        <p:cTn id="1" dur="indefinite" restart="never" nodeType="tmRoot"/>
+      </p:par>
+    </p:tnLst>
+  </p:timing>
 </p:sld>
 </file>
 
